--- a/Archie - Project Presentaion.pptx
+++ b/Archie - Project Presentaion.pptx
@@ -8210,7 +8210,7 @@
             <a:fld id="{B61BEF0D-F0BB-DE4B-95CE-6DB70DBA9567}" type="datetimeFigureOut">
               <a:rPr lang="en-US" smtClean="0"/>
               <a:pPr/>
-              <a:t>11/25/2018</a:t>
+              <a:t>11/26/2018</a:t>
             </a:fld>
             <a:endParaRPr lang="en-US" dirty="0"/>
           </a:p>
@@ -8474,7 +8474,7 @@
             <a:fld id="{B61BEF0D-F0BB-DE4B-95CE-6DB70DBA9567}" type="datetimeFigureOut">
               <a:rPr lang="en-US" smtClean="0"/>
               <a:pPr/>
-              <a:t>11/25/2018</a:t>
+              <a:t>11/26/2018</a:t>
             </a:fld>
             <a:endParaRPr lang="en-US" dirty="0"/>
           </a:p>
@@ -8711,7 +8711,7 @@
             <a:fld id="{B61BEF0D-F0BB-DE4B-95CE-6DB70DBA9567}" type="datetimeFigureOut">
               <a:rPr lang="en-US" smtClean="0"/>
               <a:pPr/>
-              <a:t>11/25/2018</a:t>
+              <a:t>11/26/2018</a:t>
             </a:fld>
             <a:endParaRPr lang="en-US" dirty="0"/>
           </a:p>
@@ -8953,7 +8953,7 @@
             <a:fld id="{B61BEF0D-F0BB-DE4B-95CE-6DB70DBA9567}" type="datetimeFigureOut">
               <a:rPr lang="en-US" smtClean="0"/>
               <a:pPr/>
-              <a:t>11/25/2018</a:t>
+              <a:t>11/26/2018</a:t>
             </a:fld>
             <a:endParaRPr lang="en-US" dirty="0"/>
           </a:p>
@@ -9262,7 +9262,7 @@
             <a:fld id="{B61BEF0D-F0BB-DE4B-95CE-6DB70DBA9567}" type="datetimeFigureOut">
               <a:rPr lang="en-US" smtClean="0"/>
               <a:pPr/>
-              <a:t>11/25/2018</a:t>
+              <a:t>11/26/2018</a:t>
             </a:fld>
             <a:endParaRPr lang="en-US" dirty="0"/>
           </a:p>
@@ -9566,7 +9566,7 @@
             <a:fld id="{B61BEF0D-F0BB-DE4B-95CE-6DB70DBA9567}" type="datetimeFigureOut">
               <a:rPr lang="en-US" smtClean="0"/>
               <a:pPr/>
-              <a:t>11/25/2018</a:t>
+              <a:t>11/26/2018</a:t>
             </a:fld>
             <a:endParaRPr lang="en-US" dirty="0"/>
           </a:p>
@@ -9990,7 +9990,7 @@
             <a:fld id="{B61BEF0D-F0BB-DE4B-95CE-6DB70DBA9567}" type="datetimeFigureOut">
               <a:rPr lang="en-US" smtClean="0"/>
               <a:pPr/>
-              <a:t>11/25/2018</a:t>
+              <a:t>11/26/2018</a:t>
             </a:fld>
             <a:endParaRPr lang="en-US" dirty="0"/>
           </a:p>
@@ -10087,7 +10087,7 @@
             <a:fld id="{B61BEF0D-F0BB-DE4B-95CE-6DB70DBA9567}" type="datetimeFigureOut">
               <a:rPr lang="en-US" smtClean="0"/>
               <a:pPr/>
-              <a:t>11/25/2018</a:t>
+              <a:t>11/26/2018</a:t>
             </a:fld>
             <a:endParaRPr lang="en-US" dirty="0"/>
           </a:p>
@@ -10251,7 +10251,7 @@
             <a:fld id="{B61BEF0D-F0BB-DE4B-95CE-6DB70DBA9567}" type="datetimeFigureOut">
               <a:rPr lang="en-US" smtClean="0"/>
               <a:pPr/>
-              <a:t>11/25/2018</a:t>
+              <a:t>11/26/2018</a:t>
             </a:fld>
             <a:endParaRPr lang="en-US" dirty="0"/>
           </a:p>
@@ -10631,7 +10631,7 @@
             <a:fld id="{B61BEF0D-F0BB-DE4B-95CE-6DB70DBA9567}" type="datetimeFigureOut">
               <a:rPr lang="en-US" smtClean="0"/>
               <a:pPr/>
-              <a:t>11/25/2018</a:t>
+              <a:t>11/26/2018</a:t>
             </a:fld>
             <a:endParaRPr lang="en-US" dirty="0"/>
           </a:p>
@@ -10922,7 +10922,7 @@
             <a:fld id="{B61BEF0D-F0BB-DE4B-95CE-6DB70DBA9567}" type="datetimeFigureOut">
               <a:rPr lang="en-US" smtClean="0"/>
               <a:pPr/>
-              <a:t>11/25/2018</a:t>
+              <a:t>11/26/2018</a:t>
             </a:fld>
             <a:endParaRPr lang="en-US" dirty="0"/>
           </a:p>
@@ -11135,7 +11135,7 @@
             <a:fld id="{B61BEF0D-F0BB-DE4B-95CE-6DB70DBA9567}" type="datetimeFigureOut">
               <a:rPr lang="en-US" smtClean="0"/>
               <a:pPr/>
-              <a:t>11/25/2018</a:t>
+              <a:t>11/26/2018</a:t>
             </a:fld>
             <a:endParaRPr lang="en-US" dirty="0"/>
           </a:p>
@@ -13675,7 +13675,7 @@
         </p:blipFill>
         <p:spPr>
           <a:xfrm>
-            <a:off x="293915" y="1248924"/>
+            <a:off x="293915" y="854641"/>
             <a:ext cx="3785865" cy="3034062"/>
           </a:xfrm>
           <a:prstGeom prst="rect">
@@ -13705,7 +13705,7 @@
         </p:blipFill>
         <p:spPr>
           <a:xfrm>
-            <a:off x="4148916" y="1248923"/>
+            <a:off x="4148916" y="854640"/>
             <a:ext cx="3785865" cy="3031386"/>
           </a:xfrm>
           <a:prstGeom prst="rect">
@@ -13735,7 +13735,7 @@
         </p:blipFill>
         <p:spPr>
           <a:xfrm>
-            <a:off x="7933871" y="1248923"/>
+            <a:off x="7933871" y="854640"/>
             <a:ext cx="3964214" cy="3165768"/>
           </a:xfrm>
           <a:prstGeom prst="rect">
@@ -13743,6 +13743,111 @@
           </a:prstGeom>
         </p:spPr>
       </p:pic>
+      <p:sp>
+        <p:nvSpPr>
+          <p:cNvPr id="3" name="TextBox 2">
+            <a:extLst>
+              <a:ext uri="{FF2B5EF4-FFF2-40B4-BE49-F238E27FC236}">
+                <a16:creationId xmlns:a16="http://schemas.microsoft.com/office/drawing/2014/main" id="{8C58CA29-3DE9-4917-A18E-11EA9C4521DA}"/>
+              </a:ext>
+            </a:extLst>
+          </p:cNvPr>
+          <p:cNvSpPr txBox="1"/>
+          <p:nvPr/>
+        </p:nvSpPr>
+        <p:spPr>
+          <a:xfrm>
+            <a:off x="5657724" y="4018824"/>
+            <a:ext cx="3375105" cy="369332"/>
+          </a:xfrm>
+          <a:prstGeom prst="rect">
+            <a:avLst/>
+          </a:prstGeom>
+          <a:noFill/>
+        </p:spPr>
+        <p:txBody>
+          <a:bodyPr wrap="square" rtlCol="0">
+            <a:spAutoFit/>
+          </a:bodyPr>
+          <a:lstStyle/>
+          <a:p>
+            <a:r>
+              <a:rPr lang="en-US" u="sng" dirty="0"/>
+              <a:t>EM SCORE</a:t>
+            </a:r>
+          </a:p>
+        </p:txBody>
+      </p:sp>
+      <p:sp>
+        <p:nvSpPr>
+          <p:cNvPr id="7" name="TextBox 6">
+            <a:extLst>
+              <a:ext uri="{FF2B5EF4-FFF2-40B4-BE49-F238E27FC236}">
+                <a16:creationId xmlns:a16="http://schemas.microsoft.com/office/drawing/2014/main" id="{9A64628D-94D9-48E8-979E-63A773522AEB}"/>
+              </a:ext>
+            </a:extLst>
+          </p:cNvPr>
+          <p:cNvSpPr txBox="1"/>
+          <p:nvPr/>
+        </p:nvSpPr>
+        <p:spPr>
+          <a:xfrm>
+            <a:off x="1803633" y="4018824"/>
+            <a:ext cx="3375105" cy="369332"/>
+          </a:xfrm>
+          <a:prstGeom prst="rect">
+            <a:avLst/>
+          </a:prstGeom>
+          <a:noFill/>
+        </p:spPr>
+        <p:txBody>
+          <a:bodyPr wrap="square" rtlCol="0">
+            <a:spAutoFit/>
+          </a:bodyPr>
+          <a:lstStyle/>
+          <a:p>
+            <a:r>
+              <a:rPr lang="en-US" u="sng" dirty="0"/>
+              <a:t>F1 SCORE</a:t>
+            </a:r>
+          </a:p>
+        </p:txBody>
+      </p:sp>
+      <p:sp>
+        <p:nvSpPr>
+          <p:cNvPr id="9" name="TextBox 8">
+            <a:extLst>
+              <a:ext uri="{FF2B5EF4-FFF2-40B4-BE49-F238E27FC236}">
+                <a16:creationId xmlns:a16="http://schemas.microsoft.com/office/drawing/2014/main" id="{33C918AC-923C-4D09-B8E3-755C9CBAA944}"/>
+              </a:ext>
+            </a:extLst>
+          </p:cNvPr>
+          <p:cNvSpPr txBox="1"/>
+          <p:nvPr/>
+        </p:nvSpPr>
+        <p:spPr>
+          <a:xfrm>
+            <a:off x="9511816" y="4018824"/>
+            <a:ext cx="2386270" cy="369332"/>
+          </a:xfrm>
+          <a:prstGeom prst="rect">
+            <a:avLst/>
+          </a:prstGeom>
+          <a:noFill/>
+        </p:spPr>
+        <p:txBody>
+          <a:bodyPr wrap="square" rtlCol="0">
+            <a:spAutoFit/>
+          </a:bodyPr>
+          <a:lstStyle/>
+          <a:p>
+            <a:r>
+              <a:rPr lang="en-US" u="sng" dirty="0"/>
+              <a:t>LOSS</a:t>
+            </a:r>
+          </a:p>
+        </p:txBody>
+      </p:sp>
     </p:spTree>
     <p:extLst>
       <p:ext uri="{BB962C8B-B14F-4D97-AF65-F5344CB8AC3E}">
@@ -14099,76 +14204,6 @@
           </a:p>
         </p:txBody>
       </p:sp>
-      <p:sp>
-        <p:nvSpPr>
-          <p:cNvPr id="3" name="Subtitle 2">
-            <a:extLst>
-              <a:ext uri="{FF2B5EF4-FFF2-40B4-BE49-F238E27FC236}">
-                <a16:creationId xmlns:a16="http://schemas.microsoft.com/office/drawing/2014/main" id="{A9CB511D-EA45-4336-847C-1252667143B5}"/>
-              </a:ext>
-            </a:extLst>
-          </p:cNvPr>
-          <p:cNvSpPr>
-            <a:spLocks noGrp="1"/>
-          </p:cNvSpPr>
-          <p:nvPr>
-            <p:ph type="subTitle" idx="1"/>
-          </p:nvPr>
-        </p:nvSpPr>
-        <p:spPr>
-          <a:xfrm>
-            <a:off x="8353019" y="5247764"/>
-            <a:ext cx="3081576" cy="886337"/>
-          </a:xfrm>
-        </p:spPr>
-        <p:txBody>
-          <a:bodyPr>
-            <a:normAutofit/>
-          </a:bodyPr>
-          <a:lstStyle/>
-          <a:p>
-            <a:r>
-              <a:rPr lang="en-US" dirty="0" err="1">
-                <a:solidFill>
-                  <a:schemeClr val="bg2"/>
-                </a:solidFill>
-              </a:rPr>
-              <a:t>Noul</a:t>
-            </a:r>
-            <a:r>
-              <a:rPr lang="en-US" dirty="0">
-                <a:solidFill>
-                  <a:schemeClr val="bg2"/>
-                </a:solidFill>
-              </a:rPr>
-              <a:t> Singla</a:t>
-            </a:r>
-          </a:p>
-          <a:p>
-            <a:r>
-              <a:rPr lang="en-US" dirty="0">
-                <a:solidFill>
-                  <a:schemeClr val="bg2"/>
-                </a:solidFill>
-              </a:rPr>
-              <a:t>Vipul </a:t>
-            </a:r>
-            <a:r>
-              <a:rPr lang="en-US" dirty="0" err="1">
-                <a:solidFill>
-                  <a:schemeClr val="bg2"/>
-                </a:solidFill>
-              </a:rPr>
-              <a:t>sharma</a:t>
-            </a:r>
-            <a:endParaRPr lang="en-US" dirty="0">
-              <a:solidFill>
-                <a:schemeClr val="bg2"/>
-              </a:solidFill>
-            </a:endParaRPr>
-          </a:p>
-        </p:txBody>
-      </p:sp>
       <p:grpSp>
         <p:nvGrpSpPr>
           <p:cNvPr id="14" name="Group 13">
@@ -14373,7 +14408,7 @@
         </p:nvSpPr>
         <p:spPr>
           <a:xfrm>
-            <a:off x="8240957" y="4204286"/>
+            <a:off x="8536765" y="5031163"/>
             <a:ext cx="3305699" cy="1275126"/>
           </a:xfrm>
           <a:prstGeom prst="rect">
@@ -14771,23 +14806,6 @@
 </file>
 
 <file path=customXml/item1.xml><?xml version="1.0" encoding="utf-8"?>
-<?mso-contentType ?>
-<FormTemplates xmlns="http://schemas.microsoft.com/sharepoint/v3/contenttype/forms">
-  <Display>DocumentLibraryForm</Display>
-  <Edit>DocumentLibraryForm</Edit>
-  <New>DocumentLibraryForm</New>
-</FormTemplates>
-</file>
-
-<file path=customXml/item2.xml><?xml version="1.0" encoding="utf-8"?>
-<p:properties xmlns:p="http://schemas.microsoft.com/office/2006/metadata/properties" xmlns:xsi="http://www.w3.org/2001/XMLSchema-instance" xmlns:pc="http://schemas.microsoft.com/office/infopath/2007/PartnerControls">
-  <documentManagement>
-    <MediaServiceKeyPoints xmlns="71af3243-3dd4-4a8d-8c0d-dd76da1f02a5" xsi:nil="true"/>
-  </documentManagement>
-</p:properties>
-</file>
-
-<file path=customXml/item3.xml><?xml version="1.0" encoding="utf-8"?>
 <ct:contentTypeSchema xmlns:ct="http://schemas.microsoft.com/office/2006/metadata/contentType" xmlns:ma="http://schemas.microsoft.com/office/2006/metadata/properties/metaAttributes" ct:_="" ma:_="" ma:contentTypeName="Document" ma:contentTypeID="0x01010079F111ED35F8CC479449609E8A0923A6" ma:contentTypeVersion="11" ma:contentTypeDescription="Create a new document." ma:contentTypeScope="" ma:versionID="1c2eb7a32e66fb6e4260f3771546a5e2">
   <xsd:schema xmlns:xsd="http://www.w3.org/2001/XMLSchema" xmlns:xs="http://www.w3.org/2001/XMLSchema" xmlns:p="http://schemas.microsoft.com/office/2006/metadata/properties" xmlns:ns2="71af3243-3dd4-4a8d-8c0d-dd76da1f02a5" xmlns:ns3="16c05727-aa75-4e4a-9b5f-8a80a1165891" targetNamespace="http://schemas.microsoft.com/office/2006/metadata/properties" ma:root="true" ma:fieldsID="04e1f6479c48b08974ba73b5ca973489" ns2:_="" ns3:_="">
     <xsd:import namespace="71af3243-3dd4-4a8d-8c0d-dd76da1f02a5"/>
@@ -14998,25 +15016,24 @@
 </ct:contentTypeSchema>
 </file>
 
-<file path=customXml/itemProps1.xml><?xml version="1.0" encoding="utf-8"?>
-<ds:datastoreItem xmlns:ds="http://schemas.openxmlformats.org/officeDocument/2006/customXml" ds:itemID="{BA0CF3B2-1F0F-4FC5-8002-3E4869ABAD55}">
-  <ds:schemaRefs>
-    <ds:schemaRef ds:uri="http://schemas.microsoft.com/sharepoint/v3/contenttype/forms"/>
-  </ds:schemaRefs>
-</ds:datastoreItem>
+<file path=customXml/item2.xml><?xml version="1.0" encoding="utf-8"?>
+<p:properties xmlns:p="http://schemas.microsoft.com/office/2006/metadata/properties" xmlns:xsi="http://www.w3.org/2001/XMLSchema-instance" xmlns:pc="http://schemas.microsoft.com/office/infopath/2007/PartnerControls">
+  <documentManagement>
+    <MediaServiceKeyPoints xmlns="71af3243-3dd4-4a8d-8c0d-dd76da1f02a5" xsi:nil="true"/>
+  </documentManagement>
+</p:properties>
 </file>
 
-<file path=customXml/itemProps2.xml><?xml version="1.0" encoding="utf-8"?>
-<ds:datastoreItem xmlns:ds="http://schemas.openxmlformats.org/officeDocument/2006/customXml" ds:itemID="{1EBC12AA-1C15-4500-BC9C-8EE83A441DE9}">
-  <ds:schemaRefs>
-    <ds:schemaRef ds:uri="http://schemas.microsoft.com/office/2006/metadata/properties"/>
-    <ds:schemaRef ds:uri="http://schemas.microsoft.com/office/infopath/2007/PartnerControls"/>
-    <ds:schemaRef ds:uri="71af3243-3dd4-4a8d-8c0d-dd76da1f02a5"/>
-  </ds:schemaRefs>
-</ds:datastoreItem>
+<file path=customXml/item3.xml><?xml version="1.0" encoding="utf-8"?>
+<?mso-contentType ?>
+<FormTemplates xmlns="http://schemas.microsoft.com/sharepoint/v3/contenttype/forms">
+  <Display>DocumentLibraryForm</Display>
+  <Edit>DocumentLibraryForm</Edit>
+  <New>DocumentLibraryForm</New>
+</FormTemplates>
 </file>
 
-<file path=customXml/itemProps3.xml><?xml version="1.0" encoding="utf-8"?>
+<file path=customXml/itemProps1.xml><?xml version="1.0" encoding="utf-8"?>
 <ds:datastoreItem xmlns:ds="http://schemas.openxmlformats.org/officeDocument/2006/customXml" ds:itemID="{1F69AFF4-BB30-4BA0-AD22-82CC3C43276B}">
   <ds:schemaRefs>
     <ds:schemaRef ds:uri="http://schemas.microsoft.com/office/2006/metadata/contentType"/>
@@ -15033,4 +15050,22 @@
     <ds:schemaRef ds:uri="http://schemas.microsoft.com/internal/obd"/>
   </ds:schemaRefs>
 </ds:datastoreItem>
+</file>
+
+<file path=customXml/itemProps2.xml><?xml version="1.0" encoding="utf-8"?>
+<ds:datastoreItem xmlns:ds="http://schemas.openxmlformats.org/officeDocument/2006/customXml" ds:itemID="{1EBC12AA-1C15-4500-BC9C-8EE83A441DE9}">
+  <ds:schemaRefs>
+    <ds:schemaRef ds:uri="http://schemas.microsoft.com/office/2006/metadata/properties"/>
+    <ds:schemaRef ds:uri="http://schemas.microsoft.com/office/infopath/2007/PartnerControls"/>
+    <ds:schemaRef ds:uri="71af3243-3dd4-4a8d-8c0d-dd76da1f02a5"/>
+  </ds:schemaRefs>
+</ds:datastoreItem>
+</file>
+
+<file path=customXml/itemProps3.xml><?xml version="1.0" encoding="utf-8"?>
+<ds:datastoreItem xmlns:ds="http://schemas.openxmlformats.org/officeDocument/2006/customXml" ds:itemID="{BA0CF3B2-1F0F-4FC5-8002-3E4869ABAD55}">
+  <ds:schemaRefs>
+    <ds:schemaRef ds:uri="http://schemas.microsoft.com/sharepoint/v3/contenttype/forms"/>
+  </ds:schemaRefs>
+</ds:datastoreItem>
 </file>
--- a/Archie - Project Presentaion.pptx
+++ b/Archie - Project Presentaion.pptx
@@ -7,13 +7,19 @@
   <p:sldIdLst>
     <p:sldId id="256" r:id="rId5"/>
     <p:sldId id="262" r:id="rId6"/>
-    <p:sldId id="258" r:id="rId7"/>
-    <p:sldId id="263" r:id="rId8"/>
-    <p:sldId id="264" r:id="rId9"/>
-    <p:sldId id="265" r:id="rId10"/>
-    <p:sldId id="266" r:id="rId11"/>
-    <p:sldId id="267" r:id="rId12"/>
-    <p:sldId id="260" r:id="rId13"/>
+    <p:sldId id="273" r:id="rId7"/>
+    <p:sldId id="274" r:id="rId8"/>
+    <p:sldId id="263" r:id="rId9"/>
+    <p:sldId id="270" r:id="rId10"/>
+    <p:sldId id="271" r:id="rId11"/>
+    <p:sldId id="264" r:id="rId12"/>
+    <p:sldId id="269" r:id="rId13"/>
+    <p:sldId id="265" r:id="rId14"/>
+    <p:sldId id="268" r:id="rId15"/>
+    <p:sldId id="266" r:id="rId16"/>
+    <p:sldId id="272" r:id="rId17"/>
+    <p:sldId id="267" r:id="rId18"/>
+    <p:sldId id="260" r:id="rId19"/>
   </p:sldIdLst>
   <p:sldSz cx="12192000" cy="6858000"/>
   <p:notesSz cx="6858000" cy="9144000"/>
@@ -2752,17 +2758,11 @@
     <dgm:pt modelId="{806C2C9D-9F2A-4E80-8D7A-D1DF374E6DEB}" type="pres">
       <dgm:prSet presAssocID="{867BCD8D-962E-4B02-9F41-DCCC0EC3B468}" presName="visible" presStyleLbl="node1" presStyleIdx="0" presStyleCnt="5"/>
       <dgm:spPr>
-        <a:blipFill>
-          <a:blip xmlns:r="http://schemas.openxmlformats.org/officeDocument/2006/relationships" r:embed="rId1">
-            <a:extLst>
-              <a:ext uri="{28A0092B-C50C-407E-A947-70E740481C1C}">
-                <a14:useLocalDpi xmlns:a14="http://schemas.microsoft.com/office/drawing/2010/main" val="0"/>
-              </a:ext>
-            </a:extLst>
-          </a:blip>
+        <a:blipFill rotWithShape="1">
+          <a:blip xmlns:r="http://schemas.openxmlformats.org/officeDocument/2006/relationships" r:embed="rId1"/>
           <a:srcRect/>
           <a:stretch>
-            <a:fillRect/>
+            <a:fillRect t="-1000" b="-1000"/>
           </a:stretch>
         </a:blipFill>
       </dgm:spPr>
@@ -3396,17 +3396,11 @@
         <a:prstGeom prst="ellipse">
           <a:avLst/>
         </a:prstGeom>
-        <a:blipFill>
-          <a:blip xmlns:r="http://schemas.openxmlformats.org/officeDocument/2006/relationships" r:embed="rId1">
-            <a:extLst>
-              <a:ext uri="{28A0092B-C50C-407E-A947-70E740481C1C}">
-                <a14:useLocalDpi xmlns:a14="http://schemas.microsoft.com/office/drawing/2010/main" val="0"/>
-              </a:ext>
-            </a:extLst>
-          </a:blip>
+        <a:blipFill rotWithShape="1">
+          <a:blip xmlns:r="http://schemas.openxmlformats.org/officeDocument/2006/relationships" r:embed="rId1"/>
           <a:srcRect/>
           <a:stretch>
-            <a:fillRect/>
+            <a:fillRect t="-1000" b="-1000"/>
           </a:stretch>
         </a:blipFill>
         <a:ln w="22225" cap="rnd" cmpd="sng" algn="ctr">
@@ -12175,1110 +12169,7 @@
 </p:sld>
 </file>
 
-<file path=ppt/slides/slide2.xml><?xml version="1.0" encoding="utf-8"?>
-<p:sld xmlns:a="http://schemas.openxmlformats.org/drawingml/2006/main" xmlns:r="http://schemas.openxmlformats.org/officeDocument/2006/relationships" xmlns:p="http://schemas.openxmlformats.org/presentationml/2006/main">
-  <p:cSld>
-    <p:spTree>
-      <p:nvGrpSpPr>
-        <p:cNvPr id="1" name=""/>
-        <p:cNvGrpSpPr/>
-        <p:nvPr/>
-      </p:nvGrpSpPr>
-      <p:grpSpPr>
-        <a:xfrm>
-          <a:off x="0" y="0"/>
-          <a:ext cx="0" cy="0"/>
-          <a:chOff x="0" y="0"/>
-          <a:chExt cx="0" cy="0"/>
-        </a:xfrm>
-      </p:grpSpPr>
-      <p:sp>
-        <p:nvSpPr>
-          <p:cNvPr id="2" name="Title 1">
-            <a:extLst>
-              <a:ext uri="{FF2B5EF4-FFF2-40B4-BE49-F238E27FC236}">
-                <a16:creationId xmlns:a16="http://schemas.microsoft.com/office/drawing/2014/main" id="{9FCE45BF-1A83-41B8-B3B7-D6E4B03BFFD1}"/>
-              </a:ext>
-            </a:extLst>
-          </p:cNvPr>
-          <p:cNvSpPr>
-            <a:spLocks noGrp="1"/>
-          </p:cNvSpPr>
-          <p:nvPr>
-            <p:ph type="title"/>
-          </p:nvPr>
-        </p:nvSpPr>
-        <p:spPr>
-          <a:xfrm>
-            <a:off x="581192" y="5262295"/>
-            <a:ext cx="11095499" cy="941151"/>
-          </a:xfrm>
-        </p:spPr>
-        <p:txBody>
-          <a:bodyPr>
-            <a:normAutofit/>
-          </a:bodyPr>
-          <a:lstStyle/>
-          <a:p>
-            <a:r>
-              <a:rPr lang="en-US" sz="3200" dirty="0">
-                <a:solidFill>
-                  <a:schemeClr val="bg1"/>
-                </a:solidFill>
-              </a:rPr>
-              <a:t>What are we working on?</a:t>
-            </a:r>
-          </a:p>
-        </p:txBody>
-      </p:sp>
-      <p:pic>
-        <p:nvPicPr>
-          <p:cNvPr id="6" name="Content Placeholder 5">
-            <a:extLst>
-              <a:ext uri="{FF2B5EF4-FFF2-40B4-BE49-F238E27FC236}">
-                <a16:creationId xmlns:a16="http://schemas.microsoft.com/office/drawing/2014/main" id="{D875464B-998F-4032-AD87-C03EB6CB3446}"/>
-              </a:ext>
-            </a:extLst>
-          </p:cNvPr>
-          <p:cNvPicPr>
-            <a:picLocks noGrp="1" noChangeAspect="1"/>
-          </p:cNvPicPr>
-          <p:nvPr>
-            <p:ph idx="1"/>
-          </p:nvPr>
-        </p:nvPicPr>
-        <p:blipFill>
-          <a:blip r:embed="rId2"/>
-          <a:stretch>
-            <a:fillRect/>
-          </a:stretch>
-        </p:blipFill>
-        <p:spPr>
-          <a:xfrm>
-            <a:off x="2030757" y="1703236"/>
-            <a:ext cx="3075038" cy="1461704"/>
-          </a:xfrm>
-        </p:spPr>
-      </p:pic>
-      <p:pic>
-        <p:nvPicPr>
-          <p:cNvPr id="4" name="Picture 3">
-            <a:extLst>
-              <a:ext uri="{FF2B5EF4-FFF2-40B4-BE49-F238E27FC236}">
-                <a16:creationId xmlns:a16="http://schemas.microsoft.com/office/drawing/2014/main" id="{98B8E107-792F-4031-B2B8-13EC4F3C16A8}"/>
-              </a:ext>
-            </a:extLst>
-          </p:cNvPr>
-          <p:cNvPicPr>
-            <a:picLocks noChangeAspect="1"/>
-          </p:cNvPicPr>
-          <p:nvPr/>
-        </p:nvPicPr>
-        <p:blipFill>
-          <a:blip r:embed="rId3"/>
-          <a:stretch>
-            <a:fillRect/>
-          </a:stretch>
-        </p:blipFill>
-        <p:spPr>
-          <a:xfrm>
-            <a:off x="441048" y="624071"/>
-            <a:ext cx="1589709" cy="2266410"/>
-          </a:xfrm>
-          <a:prstGeom prst="rect">
-            <a:avLst/>
-          </a:prstGeom>
-        </p:spPr>
-      </p:pic>
-      <p:pic>
-        <p:nvPicPr>
-          <p:cNvPr id="10" name="Picture 9" descr="A circuit board&#10;&#10;Description generated with high confidence">
-            <a:extLst>
-              <a:ext uri="{FF2B5EF4-FFF2-40B4-BE49-F238E27FC236}">
-                <a16:creationId xmlns:a16="http://schemas.microsoft.com/office/drawing/2014/main" id="{B42FC4EB-6D66-4FDF-91D8-680EDC1D62E3}"/>
-              </a:ext>
-            </a:extLst>
-          </p:cNvPr>
-          <p:cNvPicPr>
-            <a:picLocks noChangeAspect="1"/>
-          </p:cNvPicPr>
-          <p:nvPr/>
-        </p:nvPicPr>
-        <p:blipFill>
-          <a:blip r:embed="rId4"/>
-          <a:stretch>
-            <a:fillRect/>
-          </a:stretch>
-        </p:blipFill>
-        <p:spPr>
-          <a:xfrm>
-            <a:off x="4933167" y="545497"/>
-            <a:ext cx="2809087" cy="4399041"/>
-          </a:xfrm>
-          <a:prstGeom prst="rect">
-            <a:avLst/>
-          </a:prstGeom>
-        </p:spPr>
-      </p:pic>
-      <p:sp>
-        <p:nvSpPr>
-          <p:cNvPr id="9" name="TextBox 8">
-            <a:extLst>
-              <a:ext uri="{FF2B5EF4-FFF2-40B4-BE49-F238E27FC236}">
-                <a16:creationId xmlns:a16="http://schemas.microsoft.com/office/drawing/2014/main" id="{C6F8968F-B8A2-4439-A13B-88D132C439D2}"/>
-              </a:ext>
-            </a:extLst>
-          </p:cNvPr>
-          <p:cNvSpPr txBox="1"/>
-          <p:nvPr/>
-        </p:nvSpPr>
-        <p:spPr>
-          <a:xfrm>
-            <a:off x="8567100" y="3733101"/>
-            <a:ext cx="2745171" cy="1200329"/>
-          </a:xfrm>
-          <a:prstGeom prst="rect">
-            <a:avLst/>
-          </a:prstGeom>
-          <a:noFill/>
-        </p:spPr>
-        <p:txBody>
-          <a:bodyPr wrap="square" rtlCol="0">
-            <a:spAutoFit/>
-          </a:bodyPr>
-          <a:lstStyle/>
-          <a:p>
-            <a:r>
-              <a:rPr lang="en-US" sz="2400" b="1" dirty="0">
-                <a:solidFill>
-                  <a:srgbClr val="1A3260"/>
-                </a:solidFill>
-              </a:rPr>
-              <a:t>Archie: </a:t>
-            </a:r>
-            <a:r>
-              <a:rPr lang="en-US" sz="2400" dirty="0"/>
-              <a:t>Our question answering model</a:t>
-            </a:r>
-          </a:p>
-        </p:txBody>
-      </p:sp>
-      <p:pic>
-        <p:nvPicPr>
-          <p:cNvPr id="12" name="Picture 11" descr="A picture containing text, book&#10;&#10;Description generated with very high confidence">
-            <a:extLst>
-              <a:ext uri="{FF2B5EF4-FFF2-40B4-BE49-F238E27FC236}">
-                <a16:creationId xmlns:a16="http://schemas.microsoft.com/office/drawing/2014/main" id="{7B98F2BE-92D6-45C7-8F44-58EBC544F681}"/>
-              </a:ext>
-            </a:extLst>
-          </p:cNvPr>
-          <p:cNvPicPr>
-            <a:picLocks noChangeAspect="1"/>
-          </p:cNvPicPr>
-          <p:nvPr/>
-        </p:nvPicPr>
-        <p:blipFill>
-          <a:blip r:embed="rId5"/>
-          <a:stretch>
-            <a:fillRect/>
-          </a:stretch>
-        </p:blipFill>
-        <p:spPr>
-          <a:xfrm>
-            <a:off x="8322381" y="713579"/>
-            <a:ext cx="3111814" cy="2855089"/>
-          </a:xfrm>
-          <a:prstGeom prst="rect">
-            <a:avLst/>
-          </a:prstGeom>
-        </p:spPr>
-      </p:pic>
-    </p:spTree>
-    <p:extLst>
-      <p:ext uri="{BB962C8B-B14F-4D97-AF65-F5344CB8AC3E}">
-        <p14:creationId xmlns:p14="http://schemas.microsoft.com/office/powerpoint/2010/main" val="3643999881"/>
-      </p:ext>
-    </p:extLst>
-  </p:cSld>
-  <p:clrMapOvr>
-    <a:masterClrMapping/>
-  </p:clrMapOvr>
-</p:sld>
-</file>
-
-<file path=ppt/slides/slide3.xml><?xml version="1.0" encoding="utf-8"?>
-<p:sld xmlns:a="http://schemas.openxmlformats.org/drawingml/2006/main" xmlns:r="http://schemas.openxmlformats.org/officeDocument/2006/relationships" xmlns:p="http://schemas.openxmlformats.org/presentationml/2006/main">
-  <p:cSld>
-    <p:bg>
-      <p:bgPr>
-        <a:solidFill>
-          <a:schemeClr val="bg1"/>
-        </a:solidFill>
-        <a:effectLst/>
-      </p:bgPr>
-    </p:bg>
-    <p:spTree>
-      <p:nvGrpSpPr>
-        <p:cNvPr id="1" name=""/>
-        <p:cNvGrpSpPr/>
-        <p:nvPr/>
-      </p:nvGrpSpPr>
-      <p:grpSpPr>
-        <a:xfrm>
-          <a:off x="0" y="0"/>
-          <a:ext cx="0" cy="0"/>
-          <a:chOff x="0" y="0"/>
-          <a:chExt cx="0" cy="0"/>
-        </a:xfrm>
-      </p:grpSpPr>
-      <p:sp>
-        <p:nvSpPr>
-          <p:cNvPr id="2" name="Title 1">
-            <a:extLst>
-              <a:ext uri="{FF2B5EF4-FFF2-40B4-BE49-F238E27FC236}">
-                <a16:creationId xmlns:a16="http://schemas.microsoft.com/office/drawing/2014/main" id="{921633EB-7DCB-4DDC-80AF-C885A3EE1245}"/>
-              </a:ext>
-            </a:extLst>
-          </p:cNvPr>
-          <p:cNvSpPr>
-            <a:spLocks noGrp="1"/>
-          </p:cNvSpPr>
-          <p:nvPr>
-            <p:ph type="title"/>
-          </p:nvPr>
-        </p:nvSpPr>
-        <p:spPr/>
-        <p:txBody>
-          <a:bodyPr>
-            <a:normAutofit/>
-          </a:bodyPr>
-          <a:lstStyle/>
-          <a:p>
-            <a:r>
-              <a:rPr lang="en-US" sz="4800" dirty="0"/>
-              <a:t>Our approach</a:t>
-            </a:r>
-          </a:p>
-        </p:txBody>
-      </p:sp>
-      <p:sp>
-        <p:nvSpPr>
-          <p:cNvPr id="8" name="Flowchart: Magnetic Disk 7">
-            <a:extLst>
-              <a:ext uri="{FF2B5EF4-FFF2-40B4-BE49-F238E27FC236}">
-                <a16:creationId xmlns:a16="http://schemas.microsoft.com/office/drawing/2014/main" id="{19AB2D7C-D972-43A9-9560-97CE5C52D45B}"/>
-              </a:ext>
-            </a:extLst>
-          </p:cNvPr>
-          <p:cNvSpPr/>
-          <p:nvPr/>
-        </p:nvSpPr>
-        <p:spPr>
-          <a:xfrm>
-            <a:off x="581193" y="2958885"/>
-            <a:ext cx="1090569" cy="1317071"/>
-          </a:xfrm>
-          <a:prstGeom prst="flowChartMagneticDisk">
-            <a:avLst/>
-          </a:prstGeom>
-        </p:spPr>
-        <p:style>
-          <a:lnRef idx="2">
-            <a:schemeClr val="accent1"/>
-          </a:lnRef>
-          <a:fillRef idx="1">
-            <a:schemeClr val="lt1"/>
-          </a:fillRef>
-          <a:effectRef idx="0">
-            <a:schemeClr val="accent1"/>
-          </a:effectRef>
-          <a:fontRef idx="minor">
-            <a:schemeClr val="dk1"/>
-          </a:fontRef>
-        </p:style>
-        <p:txBody>
-          <a:bodyPr rtlCol="0" anchor="ctr"/>
-          <a:lstStyle/>
-          <a:p>
-            <a:pPr algn="ctr"/>
-            <a:r>
-              <a:rPr lang="en-US" dirty="0"/>
-              <a:t>SQuAD Dataset</a:t>
-            </a:r>
-          </a:p>
-        </p:txBody>
-      </p:sp>
-      <p:sp>
-        <p:nvSpPr>
-          <p:cNvPr id="9" name="Flowchart: Process 8">
-            <a:extLst>
-              <a:ext uri="{FF2B5EF4-FFF2-40B4-BE49-F238E27FC236}">
-                <a16:creationId xmlns:a16="http://schemas.microsoft.com/office/drawing/2014/main" id="{D0DABA21-C222-41AB-A02E-CB84A36D2CF6}"/>
-              </a:ext>
-            </a:extLst>
-          </p:cNvPr>
-          <p:cNvSpPr/>
-          <p:nvPr/>
-        </p:nvSpPr>
-        <p:spPr>
-          <a:xfrm>
-            <a:off x="2387624" y="3214750"/>
-            <a:ext cx="2063692" cy="805343"/>
-          </a:xfrm>
-          <a:prstGeom prst="flowChartProcess">
-            <a:avLst/>
-          </a:prstGeom>
-        </p:spPr>
-        <p:style>
-          <a:lnRef idx="2">
-            <a:schemeClr val="accent1"/>
-          </a:lnRef>
-          <a:fillRef idx="1">
-            <a:schemeClr val="lt1"/>
-          </a:fillRef>
-          <a:effectRef idx="0">
-            <a:schemeClr val="accent1"/>
-          </a:effectRef>
-          <a:fontRef idx="minor">
-            <a:schemeClr val="dk1"/>
-          </a:fontRef>
-        </p:style>
-        <p:txBody>
-          <a:bodyPr rtlCol="0" anchor="ctr"/>
-          <a:lstStyle/>
-          <a:p>
-            <a:pPr algn="ctr"/>
-            <a:r>
-              <a:rPr lang="en-US" dirty="0"/>
-              <a:t>Pre-Processing</a:t>
-            </a:r>
-          </a:p>
-        </p:txBody>
-      </p:sp>
-      <p:sp>
-        <p:nvSpPr>
-          <p:cNvPr id="12" name="Flowchart: Process 11">
-            <a:extLst>
-              <a:ext uri="{FF2B5EF4-FFF2-40B4-BE49-F238E27FC236}">
-                <a16:creationId xmlns:a16="http://schemas.microsoft.com/office/drawing/2014/main" id="{231BAB70-D5A6-4562-98E0-1B42B07D3C2E}"/>
-              </a:ext>
-            </a:extLst>
-          </p:cNvPr>
-          <p:cNvSpPr/>
-          <p:nvPr/>
-        </p:nvSpPr>
-        <p:spPr>
-          <a:xfrm>
-            <a:off x="5167178" y="3214750"/>
-            <a:ext cx="2063692" cy="805343"/>
-          </a:xfrm>
-          <a:prstGeom prst="flowChartProcess">
-            <a:avLst/>
-          </a:prstGeom>
-        </p:spPr>
-        <p:style>
-          <a:lnRef idx="2">
-            <a:schemeClr val="accent1"/>
-          </a:lnRef>
-          <a:fillRef idx="1">
-            <a:schemeClr val="lt1"/>
-          </a:fillRef>
-          <a:effectRef idx="0">
-            <a:schemeClr val="accent1"/>
-          </a:effectRef>
-          <a:fontRef idx="minor">
-            <a:schemeClr val="dk1"/>
-          </a:fontRef>
-        </p:style>
-        <p:txBody>
-          <a:bodyPr rtlCol="0" anchor="ctr"/>
-          <a:lstStyle/>
-          <a:p>
-            <a:pPr algn="ctr"/>
-            <a:r>
-              <a:rPr lang="en-US" dirty="0"/>
-              <a:t>Contextual Binding</a:t>
-            </a:r>
-          </a:p>
-          <a:p>
-            <a:pPr algn="ctr"/>
-            <a:r>
-              <a:rPr lang="en-US" dirty="0"/>
-              <a:t>(GloVe)</a:t>
-            </a:r>
-          </a:p>
-        </p:txBody>
-      </p:sp>
-      <p:sp>
-        <p:nvSpPr>
-          <p:cNvPr id="13" name="Flowchart: Process 12">
-            <a:extLst>
-              <a:ext uri="{FF2B5EF4-FFF2-40B4-BE49-F238E27FC236}">
-                <a16:creationId xmlns:a16="http://schemas.microsoft.com/office/drawing/2014/main" id="{3F2B74A3-78A5-42A3-8948-5EDDFEEB0D64}"/>
-              </a:ext>
-            </a:extLst>
-          </p:cNvPr>
-          <p:cNvSpPr/>
-          <p:nvPr/>
-        </p:nvSpPr>
-        <p:spPr>
-          <a:xfrm>
-            <a:off x="7946732" y="3193078"/>
-            <a:ext cx="2063692" cy="805343"/>
-          </a:xfrm>
-          <a:prstGeom prst="flowChartProcess">
-            <a:avLst/>
-          </a:prstGeom>
-        </p:spPr>
-        <p:style>
-          <a:lnRef idx="2">
-            <a:schemeClr val="accent1"/>
-          </a:lnRef>
-          <a:fillRef idx="1">
-            <a:schemeClr val="lt1"/>
-          </a:fillRef>
-          <a:effectRef idx="0">
-            <a:schemeClr val="accent1"/>
-          </a:effectRef>
-          <a:fontRef idx="minor">
-            <a:schemeClr val="dk1"/>
-          </a:fontRef>
-        </p:style>
-        <p:txBody>
-          <a:bodyPr rtlCol="0" anchor="ctr"/>
-          <a:lstStyle/>
-          <a:p>
-            <a:pPr algn="ctr"/>
-            <a:r>
-              <a:rPr lang="en-US" dirty="0"/>
-              <a:t>Train the Model</a:t>
-            </a:r>
-          </a:p>
-          <a:p>
-            <a:pPr algn="ctr"/>
-            <a:r>
-              <a:rPr lang="en-US" dirty="0"/>
-              <a:t>(RNN)</a:t>
-            </a:r>
-          </a:p>
-        </p:txBody>
-      </p:sp>
-      <p:sp>
-        <p:nvSpPr>
-          <p:cNvPr id="14" name="Flowchart: Process 13">
-            <a:extLst>
-              <a:ext uri="{FF2B5EF4-FFF2-40B4-BE49-F238E27FC236}">
-                <a16:creationId xmlns:a16="http://schemas.microsoft.com/office/drawing/2014/main" id="{A9DB472A-332F-4768-B41C-32DFBC3F1199}"/>
-              </a:ext>
-            </a:extLst>
-          </p:cNvPr>
-          <p:cNvSpPr/>
-          <p:nvPr/>
-        </p:nvSpPr>
-        <p:spPr>
-          <a:xfrm>
-            <a:off x="7230870" y="4737339"/>
-            <a:ext cx="2063692" cy="805343"/>
-          </a:xfrm>
-          <a:prstGeom prst="flowChartProcess">
-            <a:avLst/>
-          </a:prstGeom>
-        </p:spPr>
-        <p:style>
-          <a:lnRef idx="2">
-            <a:schemeClr val="accent1"/>
-          </a:lnRef>
-          <a:fillRef idx="1">
-            <a:schemeClr val="lt1"/>
-          </a:fillRef>
-          <a:effectRef idx="0">
-            <a:schemeClr val="accent1"/>
-          </a:effectRef>
-          <a:fontRef idx="minor">
-            <a:schemeClr val="dk1"/>
-          </a:fontRef>
-        </p:style>
-        <p:txBody>
-          <a:bodyPr rtlCol="0" anchor="ctr"/>
-          <a:lstStyle/>
-          <a:p>
-            <a:pPr algn="ctr"/>
-            <a:r>
-              <a:rPr lang="en-US" dirty="0"/>
-              <a:t>Configuring the Parameters</a:t>
-            </a:r>
-          </a:p>
-        </p:txBody>
-      </p:sp>
-      <p:sp>
-        <p:nvSpPr>
-          <p:cNvPr id="15" name="Flowchart: Process 14">
-            <a:extLst>
-              <a:ext uri="{FF2B5EF4-FFF2-40B4-BE49-F238E27FC236}">
-                <a16:creationId xmlns:a16="http://schemas.microsoft.com/office/drawing/2014/main" id="{C80BF7DA-9F3A-4060-AD54-816B79747A85}"/>
-              </a:ext>
-            </a:extLst>
-          </p:cNvPr>
-          <p:cNvSpPr/>
-          <p:nvPr/>
-        </p:nvSpPr>
-        <p:spPr>
-          <a:xfrm>
-            <a:off x="4451316" y="4737339"/>
-            <a:ext cx="2063692" cy="805343"/>
-          </a:xfrm>
-          <a:prstGeom prst="flowChartProcess">
-            <a:avLst/>
-          </a:prstGeom>
-        </p:spPr>
-        <p:style>
-          <a:lnRef idx="2">
-            <a:schemeClr val="accent1"/>
-          </a:lnRef>
-          <a:fillRef idx="1">
-            <a:schemeClr val="lt1"/>
-          </a:fillRef>
-          <a:effectRef idx="0">
-            <a:schemeClr val="accent1"/>
-          </a:effectRef>
-          <a:fontRef idx="minor">
-            <a:schemeClr val="dk1"/>
-          </a:fontRef>
-        </p:style>
-        <p:txBody>
-          <a:bodyPr rtlCol="0" anchor="ctr"/>
-          <a:lstStyle/>
-          <a:p>
-            <a:pPr algn="ctr"/>
-            <a:r>
-              <a:rPr lang="en-US" dirty="0"/>
-              <a:t>Evaluation</a:t>
-            </a:r>
-          </a:p>
-        </p:txBody>
-      </p:sp>
-      <p:cxnSp>
-        <p:nvCxnSpPr>
-          <p:cNvPr id="17" name="Straight Arrow Connector 16">
-            <a:extLst>
-              <a:ext uri="{FF2B5EF4-FFF2-40B4-BE49-F238E27FC236}">
-                <a16:creationId xmlns:a16="http://schemas.microsoft.com/office/drawing/2014/main" id="{E5234180-E92C-4649-BEAE-A20B65A7F532}"/>
-              </a:ext>
-            </a:extLst>
-          </p:cNvPr>
-          <p:cNvCxnSpPr>
-            <a:stCxn id="8" idx="4"/>
-            <a:endCxn id="9" idx="1"/>
-          </p:cNvCxnSpPr>
-          <p:nvPr/>
-        </p:nvCxnSpPr>
-        <p:spPr>
-          <a:xfrm>
-            <a:off x="1671762" y="3617421"/>
-            <a:ext cx="715862" cy="1"/>
-          </a:xfrm>
-          <a:prstGeom prst="straightConnector1">
-            <a:avLst/>
-          </a:prstGeom>
-          <a:ln>
-            <a:tailEnd type="triangle"/>
-          </a:ln>
-        </p:spPr>
-        <p:style>
-          <a:lnRef idx="3">
-            <a:schemeClr val="accent1"/>
-          </a:lnRef>
-          <a:fillRef idx="0">
-            <a:schemeClr val="accent1"/>
-          </a:fillRef>
-          <a:effectRef idx="2">
-            <a:schemeClr val="accent1"/>
-          </a:effectRef>
-          <a:fontRef idx="minor">
-            <a:schemeClr val="tx1"/>
-          </a:fontRef>
-        </p:style>
-      </p:cxnSp>
-      <p:cxnSp>
-        <p:nvCxnSpPr>
-          <p:cNvPr id="19" name="Straight Arrow Connector 18">
-            <a:extLst>
-              <a:ext uri="{FF2B5EF4-FFF2-40B4-BE49-F238E27FC236}">
-                <a16:creationId xmlns:a16="http://schemas.microsoft.com/office/drawing/2014/main" id="{23EA4566-A51D-48B1-B6CE-AD744991EBD9}"/>
-              </a:ext>
-            </a:extLst>
-          </p:cNvPr>
-          <p:cNvCxnSpPr/>
-          <p:nvPr/>
-        </p:nvCxnSpPr>
-        <p:spPr>
-          <a:xfrm>
-            <a:off x="4451316" y="3595748"/>
-            <a:ext cx="715862" cy="1"/>
-          </a:xfrm>
-          <a:prstGeom prst="straightConnector1">
-            <a:avLst/>
-          </a:prstGeom>
-          <a:ln>
-            <a:tailEnd type="triangle"/>
-          </a:ln>
-        </p:spPr>
-        <p:style>
-          <a:lnRef idx="3">
-            <a:schemeClr val="accent1"/>
-          </a:lnRef>
-          <a:fillRef idx="0">
-            <a:schemeClr val="accent1"/>
-          </a:fillRef>
-          <a:effectRef idx="2">
-            <a:schemeClr val="accent1"/>
-          </a:effectRef>
-          <a:fontRef idx="minor">
-            <a:schemeClr val="tx1"/>
-          </a:fontRef>
-        </p:style>
-      </p:cxnSp>
-      <p:cxnSp>
-        <p:nvCxnSpPr>
-          <p:cNvPr id="20" name="Straight Arrow Connector 19">
-            <a:extLst>
-              <a:ext uri="{FF2B5EF4-FFF2-40B4-BE49-F238E27FC236}">
-                <a16:creationId xmlns:a16="http://schemas.microsoft.com/office/drawing/2014/main" id="{95ACE14E-5357-4CA6-B027-1691DB220D18}"/>
-              </a:ext>
-            </a:extLst>
-          </p:cNvPr>
-          <p:cNvCxnSpPr/>
-          <p:nvPr/>
-        </p:nvCxnSpPr>
-        <p:spPr>
-          <a:xfrm>
-            <a:off x="7230870" y="3595747"/>
-            <a:ext cx="715862" cy="1"/>
-          </a:xfrm>
-          <a:prstGeom prst="straightConnector1">
-            <a:avLst/>
-          </a:prstGeom>
-          <a:ln>
-            <a:tailEnd type="triangle"/>
-          </a:ln>
-        </p:spPr>
-        <p:style>
-          <a:lnRef idx="3">
-            <a:schemeClr val="accent1"/>
-          </a:lnRef>
-          <a:fillRef idx="0">
-            <a:schemeClr val="accent1"/>
-          </a:fillRef>
-          <a:effectRef idx="2">
-            <a:schemeClr val="accent1"/>
-          </a:effectRef>
-          <a:fontRef idx="minor">
-            <a:schemeClr val="tx1"/>
-          </a:fontRef>
-        </p:style>
-      </p:cxnSp>
-      <p:cxnSp>
-        <p:nvCxnSpPr>
-          <p:cNvPr id="22" name="Connector: Elbow 21">
-            <a:extLst>
-              <a:ext uri="{FF2B5EF4-FFF2-40B4-BE49-F238E27FC236}">
-                <a16:creationId xmlns:a16="http://schemas.microsoft.com/office/drawing/2014/main" id="{3551D8C5-D8EC-428B-84E2-9C25C27050C6}"/>
-              </a:ext>
-            </a:extLst>
-          </p:cNvPr>
-          <p:cNvCxnSpPr>
-            <a:stCxn id="13" idx="3"/>
-            <a:endCxn id="14" idx="3"/>
-          </p:cNvCxnSpPr>
-          <p:nvPr/>
-        </p:nvCxnSpPr>
-        <p:spPr>
-          <a:xfrm flipH="1">
-            <a:off x="9294562" y="3595750"/>
-            <a:ext cx="715862" cy="1544261"/>
-          </a:xfrm>
-          <a:prstGeom prst="bentConnector3">
-            <a:avLst>
-              <a:gd name="adj1" fmla="val -31934"/>
-            </a:avLst>
-          </a:prstGeom>
-          <a:ln>
-            <a:tailEnd type="triangle"/>
-          </a:ln>
-        </p:spPr>
-        <p:style>
-          <a:lnRef idx="3">
-            <a:schemeClr val="accent1"/>
-          </a:lnRef>
-          <a:fillRef idx="0">
-            <a:schemeClr val="accent1"/>
-          </a:fillRef>
-          <a:effectRef idx="2">
-            <a:schemeClr val="accent1"/>
-          </a:effectRef>
-          <a:fontRef idx="minor">
-            <a:schemeClr val="tx1"/>
-          </a:fontRef>
-        </p:style>
-      </p:cxnSp>
-      <p:cxnSp>
-        <p:nvCxnSpPr>
-          <p:cNvPr id="24" name="Straight Arrow Connector 23">
-            <a:extLst>
-              <a:ext uri="{FF2B5EF4-FFF2-40B4-BE49-F238E27FC236}">
-                <a16:creationId xmlns:a16="http://schemas.microsoft.com/office/drawing/2014/main" id="{A0787BF5-3720-4980-9D6D-8F05A971260F}"/>
-              </a:ext>
-            </a:extLst>
-          </p:cNvPr>
-          <p:cNvCxnSpPr>
-            <a:stCxn id="14" idx="1"/>
-            <a:endCxn id="15" idx="3"/>
-          </p:cNvCxnSpPr>
-          <p:nvPr/>
-        </p:nvCxnSpPr>
-        <p:spPr>
-          <a:xfrm flipH="1">
-            <a:off x="6515008" y="5140011"/>
-            <a:ext cx="715862" cy="0"/>
-          </a:xfrm>
-          <a:prstGeom prst="straightConnector1">
-            <a:avLst/>
-          </a:prstGeom>
-          <a:ln>
-            <a:tailEnd type="triangle"/>
-          </a:ln>
-        </p:spPr>
-        <p:style>
-          <a:lnRef idx="3">
-            <a:schemeClr val="accent1"/>
-          </a:lnRef>
-          <a:fillRef idx="0">
-            <a:schemeClr val="accent1"/>
-          </a:fillRef>
-          <a:effectRef idx="2">
-            <a:schemeClr val="accent1"/>
-          </a:effectRef>
-          <a:fontRef idx="minor">
-            <a:schemeClr val="tx1"/>
-          </a:fontRef>
-        </p:style>
-      </p:cxnSp>
-      <p:sp>
-        <p:nvSpPr>
-          <p:cNvPr id="26" name="TextBox 25">
-            <a:extLst>
-              <a:ext uri="{FF2B5EF4-FFF2-40B4-BE49-F238E27FC236}">
-                <a16:creationId xmlns:a16="http://schemas.microsoft.com/office/drawing/2014/main" id="{2C03738E-FF2F-4F72-8EDD-08E9F507A98C}"/>
-              </a:ext>
-            </a:extLst>
-          </p:cNvPr>
-          <p:cNvSpPr txBox="1"/>
-          <p:nvPr/>
-        </p:nvSpPr>
-        <p:spPr>
-          <a:xfrm>
-            <a:off x="4410770" y="3313584"/>
-            <a:ext cx="796954" cy="230832"/>
-          </a:xfrm>
-          <a:prstGeom prst="rect">
-            <a:avLst/>
-          </a:prstGeom>
-          <a:noFill/>
-        </p:spPr>
-        <p:txBody>
-          <a:bodyPr wrap="square" rtlCol="0">
-            <a:spAutoFit/>
-          </a:bodyPr>
-          <a:lstStyle/>
-          <a:p>
-            <a:r>
-              <a:rPr lang="en-US" sz="900" b="1" dirty="0"/>
-              <a:t>VECTORS</a:t>
-            </a:r>
-          </a:p>
-        </p:txBody>
-      </p:sp>
-      <p:pic>
-        <p:nvPicPr>
-          <p:cNvPr id="28" name="Picture 27" descr="A close up of a sign&#10;&#10;Description generated with high confidence">
-            <a:extLst>
-              <a:ext uri="{FF2B5EF4-FFF2-40B4-BE49-F238E27FC236}">
-                <a16:creationId xmlns:a16="http://schemas.microsoft.com/office/drawing/2014/main" id="{50E0D64C-2673-476C-96F3-6634D605953F}"/>
-              </a:ext>
-            </a:extLst>
-          </p:cNvPr>
-          <p:cNvPicPr>
-            <a:picLocks noChangeAspect="1"/>
-          </p:cNvPicPr>
-          <p:nvPr/>
-        </p:nvPicPr>
-        <p:blipFill>
-          <a:blip r:embed="rId2"/>
-          <a:stretch>
-            <a:fillRect/>
-          </a:stretch>
-        </p:blipFill>
-        <p:spPr>
-          <a:xfrm>
-            <a:off x="9294562" y="3544416"/>
-            <a:ext cx="677333" cy="381000"/>
-          </a:xfrm>
-          <a:prstGeom prst="rect">
-            <a:avLst/>
-          </a:prstGeom>
-        </p:spPr>
-      </p:pic>
-    </p:spTree>
-    <p:extLst>
-      <p:ext uri="{BB962C8B-B14F-4D97-AF65-F5344CB8AC3E}">
-        <p14:creationId xmlns:p14="http://schemas.microsoft.com/office/powerpoint/2010/main" val="497607547"/>
-      </p:ext>
-    </p:extLst>
-  </p:cSld>
-  <p:clrMapOvr>
-    <a:masterClrMapping/>
-  </p:clrMapOvr>
-</p:sld>
-</file>
-
-<file path=ppt/slides/slide4.xml><?xml version="1.0" encoding="utf-8"?>
-<p:sld xmlns:a="http://schemas.openxmlformats.org/drawingml/2006/main" xmlns:r="http://schemas.openxmlformats.org/officeDocument/2006/relationships" xmlns:p="http://schemas.openxmlformats.org/presentationml/2006/main">
-  <p:cSld>
-    <p:spTree>
-      <p:nvGrpSpPr>
-        <p:cNvPr id="1" name=""/>
-        <p:cNvGrpSpPr/>
-        <p:nvPr/>
-      </p:nvGrpSpPr>
-      <p:grpSpPr>
-        <a:xfrm>
-          <a:off x="0" y="0"/>
-          <a:ext cx="0" cy="0"/>
-          <a:chOff x="0" y="0"/>
-          <a:chExt cx="0" cy="0"/>
-        </a:xfrm>
-      </p:grpSpPr>
-      <p:sp>
-        <p:nvSpPr>
-          <p:cNvPr id="2" name="Title 1">
-            <a:extLst>
-              <a:ext uri="{FF2B5EF4-FFF2-40B4-BE49-F238E27FC236}">
-                <a16:creationId xmlns:a16="http://schemas.microsoft.com/office/drawing/2014/main" id="{9FCE45BF-1A83-41B8-B3B7-D6E4B03BFFD1}"/>
-              </a:ext>
-            </a:extLst>
-          </p:cNvPr>
-          <p:cNvSpPr>
-            <a:spLocks noGrp="1"/>
-          </p:cNvSpPr>
-          <p:nvPr>
-            <p:ph type="title"/>
-          </p:nvPr>
-        </p:nvSpPr>
-        <p:spPr>
-          <a:xfrm>
-            <a:off x="581192" y="5262295"/>
-            <a:ext cx="11095499" cy="941151"/>
-          </a:xfrm>
-        </p:spPr>
-        <p:txBody>
-          <a:bodyPr>
-            <a:normAutofit/>
-          </a:bodyPr>
-          <a:lstStyle/>
-          <a:p>
-            <a:r>
-              <a:rPr lang="en-US" sz="3200" dirty="0">
-                <a:solidFill>
-                  <a:schemeClr val="bg1"/>
-                </a:solidFill>
-              </a:rPr>
-              <a:t>Data pre-processing</a:t>
-            </a:r>
-          </a:p>
-        </p:txBody>
-      </p:sp>
-      <p:graphicFrame>
-        <p:nvGraphicFramePr>
-          <p:cNvPr id="7" name="Diagram 6">
-            <a:extLst>
-              <a:ext uri="{FF2B5EF4-FFF2-40B4-BE49-F238E27FC236}">
-                <a16:creationId xmlns:a16="http://schemas.microsoft.com/office/drawing/2014/main" id="{BF194382-D45B-4621-8F28-8B63FB607422}"/>
-              </a:ext>
-            </a:extLst>
-          </p:cNvPr>
-          <p:cNvGraphicFramePr/>
-          <p:nvPr>
-            <p:extLst>
-              <p:ext uri="{D42A27DB-BD31-4B8C-83A1-F6EECF244321}">
-                <p14:modId xmlns:p14="http://schemas.microsoft.com/office/powerpoint/2010/main" val="314969295"/>
-              </p:ext>
-            </p:extLst>
-          </p:nvPr>
-        </p:nvGraphicFramePr>
-        <p:xfrm>
-          <a:off x="-177101" y="813732"/>
-          <a:ext cx="6273101" cy="4085438"/>
-        </p:xfrm>
-        <a:graphic>
-          <a:graphicData uri="http://schemas.openxmlformats.org/drawingml/2006/diagram">
-            <dgm:relIds xmlns:dgm="http://schemas.openxmlformats.org/drawingml/2006/diagram" xmlns:r="http://schemas.openxmlformats.org/officeDocument/2006/relationships" r:dm="rId2" r:lo="rId3" r:qs="rId4" r:cs="rId5"/>
-          </a:graphicData>
-        </a:graphic>
-      </p:graphicFrame>
-      <p:graphicFrame>
-        <p:nvGraphicFramePr>
-          <p:cNvPr id="13" name="Diagram 12">
-            <a:extLst>
-              <a:ext uri="{FF2B5EF4-FFF2-40B4-BE49-F238E27FC236}">
-                <a16:creationId xmlns:a16="http://schemas.microsoft.com/office/drawing/2014/main" id="{3BCC3D66-6D79-4CDB-89C8-ABB0B0AC5E2E}"/>
-              </a:ext>
-            </a:extLst>
-          </p:cNvPr>
-          <p:cNvGraphicFramePr/>
-          <p:nvPr>
-            <p:extLst>
-              <p:ext uri="{D42A27DB-BD31-4B8C-83A1-F6EECF244321}">
-                <p14:modId xmlns:p14="http://schemas.microsoft.com/office/powerpoint/2010/main" val="3394864135"/>
-              </p:ext>
-            </p:extLst>
-          </p:nvPr>
-        </p:nvGraphicFramePr>
-        <p:xfrm>
-          <a:off x="3936303" y="2782226"/>
-          <a:ext cx="5887206" cy="1759280"/>
-        </p:xfrm>
-        <a:graphic>
-          <a:graphicData uri="http://schemas.openxmlformats.org/drawingml/2006/diagram">
-            <dgm:relIds xmlns:dgm="http://schemas.openxmlformats.org/drawingml/2006/diagram" xmlns:r="http://schemas.openxmlformats.org/officeDocument/2006/relationships" r:dm="rId7" r:lo="rId8" r:qs="rId9" r:cs="rId10"/>
-          </a:graphicData>
-        </a:graphic>
-      </p:graphicFrame>
-      <p:graphicFrame>
-        <p:nvGraphicFramePr>
-          <p:cNvPr id="14" name="Diagram 13">
-            <a:extLst>
-              <a:ext uri="{FF2B5EF4-FFF2-40B4-BE49-F238E27FC236}">
-                <a16:creationId xmlns:a16="http://schemas.microsoft.com/office/drawing/2014/main" id="{A9C2BFAD-2AEA-4015-9BE7-13DD10EC25C1}"/>
-              </a:ext>
-            </a:extLst>
-          </p:cNvPr>
-          <p:cNvGraphicFramePr/>
-          <p:nvPr>
-            <p:extLst>
-              <p:ext uri="{D42A27DB-BD31-4B8C-83A1-F6EECF244321}">
-                <p14:modId xmlns:p14="http://schemas.microsoft.com/office/powerpoint/2010/main" val="367889988"/>
-              </p:ext>
-            </p:extLst>
-          </p:nvPr>
-        </p:nvGraphicFramePr>
-        <p:xfrm>
-          <a:off x="9949345" y="1937857"/>
-          <a:ext cx="1863285" cy="2254229"/>
-        </p:xfrm>
-        <a:graphic>
-          <a:graphicData uri="http://schemas.openxmlformats.org/drawingml/2006/diagram">
-            <dgm:relIds xmlns:dgm="http://schemas.openxmlformats.org/drawingml/2006/diagram" xmlns:r="http://schemas.openxmlformats.org/officeDocument/2006/relationships" r:dm="rId12" r:lo="rId13" r:qs="rId14" r:cs="rId15"/>
-          </a:graphicData>
-        </a:graphic>
-      </p:graphicFrame>
-    </p:spTree>
-    <p:extLst>
-      <p:ext uri="{BB962C8B-B14F-4D97-AF65-F5344CB8AC3E}">
-        <p14:creationId xmlns:p14="http://schemas.microsoft.com/office/powerpoint/2010/main" val="3837792448"/>
-      </p:ext>
-    </p:extLst>
-  </p:cSld>
-  <p:clrMapOvr>
-    <a:masterClrMapping/>
-  </p:clrMapOvr>
-</p:sld>
-</file>
-
-<file path=ppt/slides/slide5.xml><?xml version="1.0" encoding="utf-8"?>
-<p:sld xmlns:a="http://schemas.openxmlformats.org/drawingml/2006/main" xmlns:r="http://schemas.openxmlformats.org/officeDocument/2006/relationships" xmlns:p="http://schemas.openxmlformats.org/presentationml/2006/main">
-  <p:cSld>
-    <p:spTree>
-      <p:nvGrpSpPr>
-        <p:cNvPr id="1" name=""/>
-        <p:cNvGrpSpPr/>
-        <p:nvPr/>
-      </p:nvGrpSpPr>
-      <p:grpSpPr>
-        <a:xfrm>
-          <a:off x="0" y="0"/>
-          <a:ext cx="0" cy="0"/>
-          <a:chOff x="0" y="0"/>
-          <a:chExt cx="0" cy="0"/>
-        </a:xfrm>
-      </p:grpSpPr>
-      <p:sp>
-        <p:nvSpPr>
-          <p:cNvPr id="2" name="Title 1">
-            <a:extLst>
-              <a:ext uri="{FF2B5EF4-FFF2-40B4-BE49-F238E27FC236}">
-                <a16:creationId xmlns:a16="http://schemas.microsoft.com/office/drawing/2014/main" id="{9FCE45BF-1A83-41B8-B3B7-D6E4B03BFFD1}"/>
-              </a:ext>
-            </a:extLst>
-          </p:cNvPr>
-          <p:cNvSpPr>
-            <a:spLocks noGrp="1"/>
-          </p:cNvSpPr>
-          <p:nvPr>
-            <p:ph type="title"/>
-          </p:nvPr>
-        </p:nvSpPr>
-        <p:spPr>
-          <a:xfrm>
-            <a:off x="581192" y="5262295"/>
-            <a:ext cx="11095499" cy="941151"/>
-          </a:xfrm>
-        </p:spPr>
-        <p:txBody>
-          <a:bodyPr>
-            <a:normAutofit/>
-          </a:bodyPr>
-          <a:lstStyle/>
-          <a:p>
-            <a:r>
-              <a:rPr lang="en-US" sz="3200" dirty="0">
-                <a:solidFill>
-                  <a:schemeClr val="bg1"/>
-                </a:solidFill>
-              </a:rPr>
-              <a:t>How we did it!</a:t>
-            </a:r>
-            <a:br>
-              <a:rPr lang="en-US" sz="3200" dirty="0">
-                <a:solidFill>
-                  <a:schemeClr val="bg1"/>
-                </a:solidFill>
-              </a:rPr>
-            </a:br>
-            <a:r>
-              <a:rPr lang="en-US" sz="2300" dirty="0">
-                <a:solidFill>
-                  <a:schemeClr val="bg1"/>
-                </a:solidFill>
-              </a:rPr>
-              <a:t>TRAINING OUR MODEL</a:t>
-            </a:r>
-          </a:p>
-        </p:txBody>
-      </p:sp>
-    </p:spTree>
-    <p:extLst>
-      <p:ext uri="{BB962C8B-B14F-4D97-AF65-F5344CB8AC3E}">
-        <p14:creationId xmlns:p14="http://schemas.microsoft.com/office/powerpoint/2010/main" val="4230067678"/>
-      </p:ext>
-    </p:extLst>
-  </p:cSld>
-  <p:clrMapOvr>
-    <a:masterClrMapping/>
-  </p:clrMapOvr>
-</p:sld>
-</file>
-
-<file path=ppt/slides/slide6.xml><?xml version="1.0" encoding="utf-8"?>
+<file path=ppt/slides/slide10.xml><?xml version="1.0" encoding="utf-8"?>
 <p:sld xmlns:a="http://schemas.openxmlformats.org/drawingml/2006/main" xmlns:r="http://schemas.openxmlformats.org/officeDocument/2006/relationships" xmlns:p="http://schemas.openxmlformats.org/presentationml/2006/main">
   <p:cSld>
     <p:spTree>
@@ -13592,7 +12483,7 @@
 </p:sld>
 </file>
 
-<file path=ppt/slides/slide7.xml><?xml version="1.0" encoding="utf-8"?>
+<file path=ppt/slides/slide11.xml><?xml version="1.0" encoding="utf-8"?>
 <p:sld xmlns:a="http://schemas.openxmlformats.org/drawingml/2006/main" xmlns:r="http://schemas.openxmlformats.org/officeDocument/2006/relationships" xmlns:p="http://schemas.openxmlformats.org/presentationml/2006/main">
   <p:cSld>
     <p:spTree>
@@ -13638,12 +12529,12 @@
           <a:lstStyle/>
           <a:p>
             <a:r>
-              <a:rPr lang="en-US" sz="3200">
+              <a:rPr lang="en-US" sz="3200" dirty="0">
                 <a:solidFill>
                   <a:schemeClr val="bg1"/>
                 </a:solidFill>
               </a:rPr>
-              <a:t>THE PROGRESS WE MADE!</a:t>
+              <a:t>Evaluations and results!</a:t>
             </a:r>
             <a:endParaRPr lang="en-US" sz="2300" dirty="0">
               <a:solidFill>
@@ -13655,10 +12546,10 @@
       </p:sp>
       <p:pic>
         <p:nvPicPr>
-          <p:cNvPr id="8" name="Picture 7" descr="A close up of text on a white background&#10;&#10;Description generated with very high confidence">
+          <p:cNvPr id="4" name="Picture 3" descr="A close up of text on a white background&#10;&#10;Description generated with high confidence">
             <a:extLst>
               <a:ext uri="{FF2B5EF4-FFF2-40B4-BE49-F238E27FC236}">
-                <a16:creationId xmlns:a16="http://schemas.microsoft.com/office/drawing/2014/main" id="{9F1F8448-470D-497D-8784-1C72BA76FDFD}"/>
+                <a16:creationId xmlns:a16="http://schemas.microsoft.com/office/drawing/2014/main" id="{97B51C3B-54F7-43FE-8387-6E9DE6795090}"/>
               </a:ext>
             </a:extLst>
           </p:cNvPr>
@@ -13675,8 +12566,8 @@
         </p:blipFill>
         <p:spPr>
           <a:xfrm>
-            <a:off x="293915" y="854641"/>
-            <a:ext cx="3785865" cy="3034062"/>
+            <a:off x="243828" y="2164600"/>
+            <a:ext cx="3663215" cy="2747411"/>
           </a:xfrm>
           <a:prstGeom prst="rect">
             <a:avLst/>
@@ -13685,10 +12576,10 @@
       </p:pic>
       <p:pic>
         <p:nvPicPr>
-          <p:cNvPr id="10" name="Picture 9" descr="A close up of text on a white background&#10;&#10;Description generated with high confidence">
+          <p:cNvPr id="7" name="Picture 6" descr="A close up of a map&#10;&#10;Description generated with high confidence">
             <a:extLst>
               <a:ext uri="{FF2B5EF4-FFF2-40B4-BE49-F238E27FC236}">
-                <a16:creationId xmlns:a16="http://schemas.microsoft.com/office/drawing/2014/main" id="{7FC5C6B8-5E7E-4E13-86F1-908BED371E11}"/>
+                <a16:creationId xmlns:a16="http://schemas.microsoft.com/office/drawing/2014/main" id="{DE99C258-DA48-43E6-A652-6E09E03119CB}"/>
               </a:ext>
             </a:extLst>
           </p:cNvPr>
@@ -13705,8 +12596,8 @@
         </p:blipFill>
         <p:spPr>
           <a:xfrm>
-            <a:off x="4148916" y="854640"/>
-            <a:ext cx="3785865" cy="3031386"/>
+            <a:off x="4504205" y="2344458"/>
+            <a:ext cx="3183590" cy="2387693"/>
           </a:xfrm>
           <a:prstGeom prst="rect">
             <a:avLst/>
@@ -13715,10 +12606,10 @@
       </p:pic>
       <p:pic>
         <p:nvPicPr>
-          <p:cNvPr id="12" name="Picture 11" descr="A screenshot of a cell phone&#10;&#10;Description generated with high confidence">
+          <p:cNvPr id="9" name="Picture 8" descr="A close up of a mans face&#10;&#10;Description generated with high confidence">
             <a:extLst>
               <a:ext uri="{FF2B5EF4-FFF2-40B4-BE49-F238E27FC236}">
-                <a16:creationId xmlns:a16="http://schemas.microsoft.com/office/drawing/2014/main" id="{3424A6FE-759A-437E-A07F-35F7DA396250}"/>
+                <a16:creationId xmlns:a16="http://schemas.microsoft.com/office/drawing/2014/main" id="{D7B3D819-14EB-49C0-9F52-46E94F1731EE}"/>
               </a:ext>
             </a:extLst>
           </p:cNvPr>
@@ -13735,8 +12626,8 @@
         </p:blipFill>
         <p:spPr>
           <a:xfrm>
-            <a:off x="7933871" y="854640"/>
-            <a:ext cx="3964214" cy="3165768"/>
+            <a:off x="8493101" y="2344458"/>
+            <a:ext cx="3183590" cy="2387693"/>
           </a:xfrm>
           <a:prstGeom prst="rect">
             <a:avLst/>
@@ -13745,10 +12636,10 @@
       </p:pic>
       <p:sp>
         <p:nvSpPr>
-          <p:cNvPr id="3" name="TextBox 2">
+          <p:cNvPr id="10" name="TextBox 9">
             <a:extLst>
               <a:ext uri="{FF2B5EF4-FFF2-40B4-BE49-F238E27FC236}">
-                <a16:creationId xmlns:a16="http://schemas.microsoft.com/office/drawing/2014/main" id="{8C58CA29-3DE9-4917-A18E-11EA9C4521DA}"/>
+                <a16:creationId xmlns:a16="http://schemas.microsoft.com/office/drawing/2014/main" id="{D41B6AA0-4624-4B38-B84B-212586BF7470}"/>
               </a:ext>
             </a:extLst>
           </p:cNvPr>
@@ -13757,8 +12648,8 @@
         </p:nvSpPr>
         <p:spPr>
           <a:xfrm>
-            <a:off x="5657724" y="4018824"/>
-            <a:ext cx="3375105" cy="369332"/>
+            <a:off x="736644" y="798653"/>
+            <a:ext cx="2772366" cy="1477328"/>
           </a:xfrm>
           <a:prstGeom prst="rect">
             <a:avLst/>
@@ -13772,18 +12663,62 @@
           <a:lstStyle/>
           <a:p>
             <a:r>
-              <a:rPr lang="en-US" u="sng" dirty="0"/>
-              <a:t>EM SCORE</a:t>
+              <a:rPr lang="en-US" dirty="0" err="1"/>
+              <a:t>eval_num</a:t>
+            </a:r>
+            <a:r>
+              <a:rPr lang="en-US" dirty="0"/>
+              <a:t> : 500</a:t>
+            </a:r>
+          </a:p>
+          <a:p>
+            <a:r>
+              <a:rPr lang="en-US" dirty="0" err="1"/>
+              <a:t>window_size</a:t>
+            </a:r>
+            <a:r>
+              <a:rPr lang="en-US" dirty="0"/>
+              <a:t> : 3</a:t>
+            </a:r>
+          </a:p>
+          <a:p>
+            <a:r>
+              <a:rPr lang="en-US" dirty="0" err="1"/>
+              <a:t>hidden_size</a:t>
+            </a:r>
+            <a:r>
+              <a:rPr lang="en-US" dirty="0"/>
+              <a:t> : 200</a:t>
+            </a:r>
+          </a:p>
+          <a:p>
+            <a:r>
+              <a:rPr lang="en-US" dirty="0" err="1"/>
+              <a:t>num_epochs</a:t>
+            </a:r>
+            <a:r>
+              <a:rPr lang="en-US" dirty="0"/>
+              <a:t> : 20</a:t>
+            </a:r>
+          </a:p>
+          <a:p>
+            <a:r>
+              <a:rPr lang="en-US" dirty="0" err="1"/>
+              <a:t>learning_rate</a:t>
+            </a:r>
+            <a:r>
+              <a:rPr lang="en-US" dirty="0"/>
+              <a:t> : 0.048</a:t>
             </a:r>
           </a:p>
         </p:txBody>
       </p:sp>
       <p:sp>
         <p:nvSpPr>
-          <p:cNvPr id="7" name="TextBox 6">
+          <p:cNvPr id="18" name="TextBox 17">
             <a:extLst>
               <a:ext uri="{FF2B5EF4-FFF2-40B4-BE49-F238E27FC236}">
-                <a16:creationId xmlns:a16="http://schemas.microsoft.com/office/drawing/2014/main" id="{9A64628D-94D9-48E8-979E-63A773522AEB}"/>
+                <a16:creationId xmlns:a16="http://schemas.microsoft.com/office/drawing/2014/main" id="{C2155DF5-6BC1-4B48-935E-B6BC9EAF0F3D}"/>
               </a:ext>
             </a:extLst>
           </p:cNvPr>
@@ -13792,8 +12727,8 @@
         </p:nvSpPr>
         <p:spPr>
           <a:xfrm>
-            <a:off x="1803633" y="4018824"/>
-            <a:ext cx="3375105" cy="369332"/>
+            <a:off x="4504205" y="674524"/>
+            <a:ext cx="2772366" cy="1477328"/>
           </a:xfrm>
           <a:prstGeom prst="rect">
             <a:avLst/>
@@ -13807,18 +12742,62 @@
           <a:lstStyle/>
           <a:p>
             <a:r>
-              <a:rPr lang="en-US" u="sng" dirty="0"/>
-              <a:t>F1 SCORE</a:t>
+              <a:rPr lang="en-US" dirty="0" err="1"/>
+              <a:t>eval_num</a:t>
+            </a:r>
+            <a:r>
+              <a:rPr lang="en-US" dirty="0"/>
+              <a:t> : 250</a:t>
+            </a:r>
+          </a:p>
+          <a:p>
+            <a:r>
+              <a:rPr lang="en-US" dirty="0" err="1"/>
+              <a:t>window_size</a:t>
+            </a:r>
+            <a:r>
+              <a:rPr lang="en-US" dirty="0"/>
+              <a:t> : 8</a:t>
+            </a:r>
+          </a:p>
+          <a:p>
+            <a:r>
+              <a:rPr lang="en-US" dirty="0" err="1"/>
+              <a:t>hidden_size</a:t>
+            </a:r>
+            <a:r>
+              <a:rPr lang="en-US" dirty="0"/>
+              <a:t> : 200</a:t>
+            </a:r>
+          </a:p>
+          <a:p>
+            <a:r>
+              <a:rPr lang="en-US" dirty="0" err="1"/>
+              <a:t>num_epochs</a:t>
+            </a:r>
+            <a:r>
+              <a:rPr lang="en-US" dirty="0"/>
+              <a:t> : 15</a:t>
+            </a:r>
+          </a:p>
+          <a:p>
+            <a:r>
+              <a:rPr lang="en-US" dirty="0" err="1"/>
+              <a:t>learning_rate</a:t>
+            </a:r>
+            <a:r>
+              <a:rPr lang="en-US" dirty="0"/>
+              <a:t> : 0.0048</a:t>
             </a:r>
           </a:p>
         </p:txBody>
       </p:sp>
       <p:sp>
         <p:nvSpPr>
-          <p:cNvPr id="9" name="TextBox 8">
+          <p:cNvPr id="20" name="TextBox 19">
             <a:extLst>
               <a:ext uri="{FF2B5EF4-FFF2-40B4-BE49-F238E27FC236}">
-                <a16:creationId xmlns:a16="http://schemas.microsoft.com/office/drawing/2014/main" id="{33C918AC-923C-4D09-B8E3-755C9CBAA944}"/>
+                <a16:creationId xmlns:a16="http://schemas.microsoft.com/office/drawing/2014/main" id="{521CB4DA-A7E3-463D-A851-F51F7836B43C}"/>
               </a:ext>
             </a:extLst>
           </p:cNvPr>
@@ -13827,8 +12806,8 @@
         </p:nvSpPr>
         <p:spPr>
           <a:xfrm>
-            <a:off x="9511816" y="4018824"/>
-            <a:ext cx="2386270" cy="369332"/>
+            <a:off x="8694420" y="635779"/>
+            <a:ext cx="2772366" cy="1477328"/>
           </a:xfrm>
           <a:prstGeom prst="rect">
             <a:avLst/>
@@ -13842,8 +12821,52 @@
           <a:lstStyle/>
           <a:p>
             <a:r>
-              <a:rPr lang="en-US" u="sng" dirty="0"/>
-              <a:t>LOSS</a:t>
+              <a:rPr lang="en-US" dirty="0" err="1"/>
+              <a:t>eval_num</a:t>
+            </a:r>
+            <a:r>
+              <a:rPr lang="en-US" dirty="0"/>
+              <a:t> : 500</a:t>
+            </a:r>
+          </a:p>
+          <a:p>
+            <a:r>
+              <a:rPr lang="en-US" dirty="0" err="1"/>
+              <a:t>window_size</a:t>
+            </a:r>
+            <a:r>
+              <a:rPr lang="en-US" dirty="0"/>
+              <a:t> : 10</a:t>
+            </a:r>
+          </a:p>
+          <a:p>
+            <a:r>
+              <a:rPr lang="en-US" dirty="0" err="1"/>
+              <a:t>hidden_size</a:t>
+            </a:r>
+            <a:r>
+              <a:rPr lang="en-US" dirty="0"/>
+              <a:t> : 200</a:t>
+            </a:r>
+          </a:p>
+          <a:p>
+            <a:r>
+              <a:rPr lang="en-US" dirty="0" err="1"/>
+              <a:t>num_epochs</a:t>
+            </a:r>
+            <a:r>
+              <a:rPr lang="en-US" dirty="0"/>
+              <a:t> : 20</a:t>
+            </a:r>
+          </a:p>
+          <a:p>
+            <a:r>
+              <a:rPr lang="en-US" dirty="0" err="1"/>
+              <a:t>learning_rate</a:t>
+            </a:r>
+            <a:r>
+              <a:rPr lang="en-US" dirty="0"/>
+              <a:t> : 0.0048</a:t>
             </a:r>
           </a:p>
         </p:txBody>
@@ -13851,7 +12874,7 @@
     </p:spTree>
     <p:extLst>
       <p:ext uri="{BB962C8B-B14F-4D97-AF65-F5344CB8AC3E}">
-        <p14:creationId xmlns:p14="http://schemas.microsoft.com/office/powerpoint/2010/main" val="2600912319"/>
+        <p14:creationId xmlns:p14="http://schemas.microsoft.com/office/powerpoint/2010/main" val="1354654487"/>
       </p:ext>
     </p:extLst>
   </p:cSld>
@@ -13861,7 +12884,7 @@
 </p:sld>
 </file>
 
-<file path=ppt/slides/slide8.xml><?xml version="1.0" encoding="utf-8"?>
+<file path=ppt/slides/slide12.xml><?xml version="1.0" encoding="utf-8"?>
 <p:sld xmlns:a="http://schemas.openxmlformats.org/drawingml/2006/main" xmlns:r="http://schemas.openxmlformats.org/officeDocument/2006/relationships" xmlns:p="http://schemas.openxmlformats.org/presentationml/2006/main">
   <p:cSld>
     <p:spTree>
@@ -13907,6 +12930,400 @@
           <a:lstStyle/>
           <a:p>
             <a:r>
+              <a:rPr lang="en-US" sz="3200">
+                <a:solidFill>
+                  <a:schemeClr val="bg1"/>
+                </a:solidFill>
+              </a:rPr>
+              <a:t>THE PROGRESS WE MADE!</a:t>
+            </a:r>
+            <a:endParaRPr lang="en-US" sz="2300" dirty="0">
+              <a:solidFill>
+                <a:schemeClr val="bg1"/>
+              </a:solidFill>
+            </a:endParaRPr>
+          </a:p>
+        </p:txBody>
+      </p:sp>
+      <p:pic>
+        <p:nvPicPr>
+          <p:cNvPr id="9" name="Picture 8" descr="A close up of a map&#10;&#10;Description generated with high confidence">
+            <a:extLst>
+              <a:ext uri="{FF2B5EF4-FFF2-40B4-BE49-F238E27FC236}">
+                <a16:creationId xmlns:a16="http://schemas.microsoft.com/office/drawing/2014/main" id="{829D0F7F-D42F-42DA-A4FD-E4E6E72D1CB2}"/>
+              </a:ext>
+            </a:extLst>
+          </p:cNvPr>
+          <p:cNvPicPr>
+            <a:picLocks noChangeAspect="1"/>
+          </p:cNvPicPr>
+          <p:nvPr/>
+        </p:nvPicPr>
+        <p:blipFill>
+          <a:blip r:embed="rId2"/>
+          <a:stretch>
+            <a:fillRect/>
+          </a:stretch>
+        </p:blipFill>
+        <p:spPr>
+          <a:xfrm>
+            <a:off x="200311" y="654554"/>
+            <a:ext cx="3692040" cy="3492587"/>
+          </a:xfrm>
+          <a:prstGeom prst="rect">
+            <a:avLst/>
+          </a:prstGeom>
+        </p:spPr>
+      </p:pic>
+      <p:pic>
+        <p:nvPicPr>
+          <p:cNvPr id="13" name="Picture 12" descr="A close up of a map&#10;&#10;Description generated with high confidence">
+            <a:extLst>
+              <a:ext uri="{FF2B5EF4-FFF2-40B4-BE49-F238E27FC236}">
+                <a16:creationId xmlns:a16="http://schemas.microsoft.com/office/drawing/2014/main" id="{AB2F51C8-3AF6-4D8F-87CA-C182F2C8F323}"/>
+              </a:ext>
+            </a:extLst>
+          </p:cNvPr>
+          <p:cNvPicPr>
+            <a:picLocks noChangeAspect="1"/>
+          </p:cNvPicPr>
+          <p:nvPr/>
+        </p:nvPicPr>
+        <p:blipFill>
+          <a:blip r:embed="rId3"/>
+          <a:stretch>
+            <a:fillRect/>
+          </a:stretch>
+        </p:blipFill>
+        <p:spPr>
+          <a:xfrm>
+            <a:off x="3717612" y="539579"/>
+            <a:ext cx="4219121" cy="3607562"/>
+          </a:xfrm>
+          <a:prstGeom prst="rect">
+            <a:avLst/>
+          </a:prstGeom>
+        </p:spPr>
+      </p:pic>
+      <p:pic>
+        <p:nvPicPr>
+          <p:cNvPr id="15" name="Picture 14" descr="A screenshot of a cell phone&#10;&#10;Description generated with high confidence">
+            <a:extLst>
+              <a:ext uri="{FF2B5EF4-FFF2-40B4-BE49-F238E27FC236}">
+                <a16:creationId xmlns:a16="http://schemas.microsoft.com/office/drawing/2014/main" id="{DC14301D-409D-4418-BA4E-DABEF8B3C0F4}"/>
+              </a:ext>
+            </a:extLst>
+          </p:cNvPr>
+          <p:cNvPicPr>
+            <a:picLocks noChangeAspect="1"/>
+          </p:cNvPicPr>
+          <p:nvPr/>
+        </p:nvPicPr>
+        <p:blipFill>
+          <a:blip r:embed="rId4"/>
+          <a:stretch>
+            <a:fillRect/>
+          </a:stretch>
+        </p:blipFill>
+        <p:spPr>
+          <a:xfrm>
+            <a:off x="7647693" y="654554"/>
+            <a:ext cx="4219120" cy="3607562"/>
+          </a:xfrm>
+          <a:prstGeom prst="rect">
+            <a:avLst/>
+          </a:prstGeom>
+        </p:spPr>
+      </p:pic>
+      <p:sp>
+        <p:nvSpPr>
+          <p:cNvPr id="17" name="TextBox 16">
+            <a:extLst>
+              <a:ext uri="{FF2B5EF4-FFF2-40B4-BE49-F238E27FC236}">
+                <a16:creationId xmlns:a16="http://schemas.microsoft.com/office/drawing/2014/main" id="{D9650909-9373-47A3-874F-B7A9CEC7DC55}"/>
+              </a:ext>
+            </a:extLst>
+          </p:cNvPr>
+          <p:cNvSpPr txBox="1"/>
+          <p:nvPr/>
+        </p:nvSpPr>
+        <p:spPr>
+          <a:xfrm>
+            <a:off x="804041" y="4603531"/>
+            <a:ext cx="10720552" cy="646331"/>
+          </a:xfrm>
+          <a:prstGeom prst="rect">
+            <a:avLst/>
+          </a:prstGeom>
+          <a:noFill/>
+        </p:spPr>
+        <p:txBody>
+          <a:bodyPr wrap="square" rtlCol="0">
+            <a:spAutoFit/>
+          </a:bodyPr>
+          <a:lstStyle/>
+          <a:p>
+            <a:r>
+              <a:rPr lang="en-US" dirty="0" err="1"/>
+              <a:t>batch_size</a:t>
+            </a:r>
+            <a:r>
+              <a:rPr lang="en-US" dirty="0"/>
+              <a:t> : 256 	</a:t>
+            </a:r>
+            <a:r>
+              <a:rPr lang="en-US" dirty="0" err="1"/>
+              <a:t>window_size</a:t>
+            </a:r>
+            <a:r>
+              <a:rPr lang="en-US" dirty="0"/>
+              <a:t> : 10	</a:t>
+            </a:r>
+            <a:r>
+              <a:rPr lang="en-US" dirty="0" err="1"/>
+              <a:t>hidden_size</a:t>
+            </a:r>
+            <a:r>
+              <a:rPr lang="en-US" dirty="0"/>
+              <a:t> : 200	</a:t>
+            </a:r>
+            <a:r>
+              <a:rPr lang="en-US" dirty="0" err="1"/>
+              <a:t>num_epochs</a:t>
+            </a:r>
+            <a:r>
+              <a:rPr lang="en-US" dirty="0"/>
+              <a:t> : 20 </a:t>
+            </a:r>
+            <a:r>
+              <a:rPr lang="en-US" dirty="0" err="1"/>
+              <a:t>learning_rate</a:t>
+            </a:r>
+            <a:r>
+              <a:rPr lang="en-US" dirty="0"/>
+              <a:t> : 0.003</a:t>
+            </a:r>
+          </a:p>
+          <a:p>
+            <a:endParaRPr lang="en-US" dirty="0"/>
+          </a:p>
+        </p:txBody>
+      </p:sp>
+    </p:spTree>
+    <p:extLst>
+      <p:ext uri="{BB962C8B-B14F-4D97-AF65-F5344CB8AC3E}">
+        <p14:creationId xmlns:p14="http://schemas.microsoft.com/office/powerpoint/2010/main" val="2600912319"/>
+      </p:ext>
+    </p:extLst>
+  </p:cSld>
+  <p:clrMapOvr>
+    <a:masterClrMapping/>
+  </p:clrMapOvr>
+</p:sld>
+</file>
+
+<file path=ppt/slides/slide13.xml><?xml version="1.0" encoding="utf-8"?>
+<p:sld xmlns:a="http://schemas.openxmlformats.org/drawingml/2006/main" xmlns:r="http://schemas.openxmlformats.org/officeDocument/2006/relationships" xmlns:p="http://schemas.openxmlformats.org/presentationml/2006/main">
+  <p:cSld>
+    <p:spTree>
+      <p:nvGrpSpPr>
+        <p:cNvPr id="1" name=""/>
+        <p:cNvGrpSpPr/>
+        <p:nvPr/>
+      </p:nvGrpSpPr>
+      <p:grpSpPr>
+        <a:xfrm>
+          <a:off x="0" y="0"/>
+          <a:ext cx="0" cy="0"/>
+          <a:chOff x="0" y="0"/>
+          <a:chExt cx="0" cy="0"/>
+        </a:xfrm>
+      </p:grpSpPr>
+      <p:sp>
+        <p:nvSpPr>
+          <p:cNvPr id="2" name="Title 1">
+            <a:extLst>
+              <a:ext uri="{FF2B5EF4-FFF2-40B4-BE49-F238E27FC236}">
+                <a16:creationId xmlns:a16="http://schemas.microsoft.com/office/drawing/2014/main" id="{88646D94-4500-4654-93D5-9191AB77DF8B}"/>
+              </a:ext>
+            </a:extLst>
+          </p:cNvPr>
+          <p:cNvSpPr>
+            <a:spLocks noGrp="1"/>
+          </p:cNvSpPr>
+          <p:nvPr>
+            <p:ph type="title"/>
+          </p:nvPr>
+        </p:nvSpPr>
+        <p:spPr/>
+        <p:txBody>
+          <a:bodyPr>
+            <a:normAutofit/>
+          </a:bodyPr>
+          <a:lstStyle/>
+          <a:p>
+            <a:r>
+              <a:rPr lang="en-US" sz="3200" dirty="0">
+                <a:solidFill>
+                  <a:schemeClr val="bg1"/>
+                </a:solidFill>
+              </a:rPr>
+              <a:t>Learning</a:t>
+            </a:r>
+          </a:p>
+        </p:txBody>
+      </p:sp>
+      <p:sp>
+        <p:nvSpPr>
+          <p:cNvPr id="3" name="Content Placeholder 2">
+            <a:extLst>
+              <a:ext uri="{FF2B5EF4-FFF2-40B4-BE49-F238E27FC236}">
+                <a16:creationId xmlns:a16="http://schemas.microsoft.com/office/drawing/2014/main" id="{ADB3EF07-A297-4B7A-8C68-08752FACC9BA}"/>
+              </a:ext>
+            </a:extLst>
+          </p:cNvPr>
+          <p:cNvSpPr>
+            <a:spLocks noGrp="1"/>
+          </p:cNvSpPr>
+          <p:nvPr>
+            <p:ph idx="1"/>
+          </p:nvPr>
+        </p:nvSpPr>
+        <p:spPr/>
+        <p:txBody>
+          <a:bodyPr>
+            <a:normAutofit/>
+          </a:bodyPr>
+          <a:lstStyle/>
+          <a:p>
+            <a:r>
+              <a:rPr lang="en-US" sz="2400" dirty="0" err="1"/>
+              <a:t>Tensorflow</a:t>
+            </a:r>
+            <a:r>
+              <a:rPr lang="en-US" sz="2400" dirty="0"/>
+              <a:t> usage and Deep Neural network Implementation</a:t>
+            </a:r>
+          </a:p>
+          <a:p>
+            <a:r>
+              <a:rPr lang="en-US" sz="2400" dirty="0"/>
+              <a:t>Version of packages in Python is very important as this is rapidly evolving field</a:t>
+            </a:r>
+          </a:p>
+          <a:p>
+            <a:r>
+              <a:rPr lang="en-US" sz="2400" dirty="0"/>
+              <a:t>Hyperparameter’s importance for deep neural network</a:t>
+            </a:r>
+          </a:p>
+          <a:p>
+            <a:r>
+              <a:rPr lang="en-US" sz="2400" dirty="0"/>
+              <a:t>Importance of which parameters to tune</a:t>
+            </a:r>
+          </a:p>
+          <a:p>
+            <a:r>
+              <a:rPr lang="en-US" sz="2400" dirty="0"/>
+              <a:t>LSTM, RNN implementation and knowledge about GRU(Gated Recurrent Unit)</a:t>
+            </a:r>
+          </a:p>
+          <a:p>
+            <a:endParaRPr lang="en-US" sz="2400" dirty="0"/>
+          </a:p>
+          <a:p>
+            <a:endParaRPr lang="en-US" sz="2400" dirty="0"/>
+          </a:p>
+          <a:p>
+            <a:endParaRPr lang="en-US" sz="2400" dirty="0"/>
+          </a:p>
+        </p:txBody>
+      </p:sp>
+      <p:sp>
+        <p:nvSpPr>
+          <p:cNvPr id="4" name="Text Placeholder 3">
+            <a:extLst>
+              <a:ext uri="{FF2B5EF4-FFF2-40B4-BE49-F238E27FC236}">
+                <a16:creationId xmlns:a16="http://schemas.microsoft.com/office/drawing/2014/main" id="{9A7002A6-96B9-4271-A152-167662D3CA8A}"/>
+              </a:ext>
+            </a:extLst>
+          </p:cNvPr>
+          <p:cNvSpPr>
+            <a:spLocks noGrp="1"/>
+          </p:cNvSpPr>
+          <p:nvPr>
+            <p:ph type="body" sz="half" idx="2"/>
+          </p:nvPr>
+        </p:nvSpPr>
+        <p:spPr/>
+        <p:txBody>
+          <a:bodyPr/>
+          <a:lstStyle/>
+          <a:p>
+            <a:endParaRPr lang="en-US"/>
+          </a:p>
+        </p:txBody>
+      </p:sp>
+    </p:spTree>
+    <p:extLst>
+      <p:ext uri="{BB962C8B-B14F-4D97-AF65-F5344CB8AC3E}">
+        <p14:creationId xmlns:p14="http://schemas.microsoft.com/office/powerpoint/2010/main" val="52957542"/>
+      </p:ext>
+    </p:extLst>
+  </p:cSld>
+  <p:clrMapOvr>
+    <a:masterClrMapping/>
+  </p:clrMapOvr>
+</p:sld>
+</file>
+
+<file path=ppt/slides/slide14.xml><?xml version="1.0" encoding="utf-8"?>
+<p:sld xmlns:a="http://schemas.openxmlformats.org/drawingml/2006/main" xmlns:r="http://schemas.openxmlformats.org/officeDocument/2006/relationships" xmlns:p="http://schemas.openxmlformats.org/presentationml/2006/main">
+  <p:cSld>
+    <p:spTree>
+      <p:nvGrpSpPr>
+        <p:cNvPr id="1" name=""/>
+        <p:cNvGrpSpPr/>
+        <p:nvPr/>
+      </p:nvGrpSpPr>
+      <p:grpSpPr>
+        <a:xfrm>
+          <a:off x="0" y="0"/>
+          <a:ext cx="0" cy="0"/>
+          <a:chOff x="0" y="0"/>
+          <a:chExt cx="0" cy="0"/>
+        </a:xfrm>
+      </p:grpSpPr>
+      <p:sp>
+        <p:nvSpPr>
+          <p:cNvPr id="2" name="Title 1">
+            <a:extLst>
+              <a:ext uri="{FF2B5EF4-FFF2-40B4-BE49-F238E27FC236}">
+                <a16:creationId xmlns:a16="http://schemas.microsoft.com/office/drawing/2014/main" id="{9FCE45BF-1A83-41B8-B3B7-D6E4B03BFFD1}"/>
+              </a:ext>
+            </a:extLst>
+          </p:cNvPr>
+          <p:cNvSpPr>
+            <a:spLocks noGrp="1"/>
+          </p:cNvSpPr>
+          <p:nvPr>
+            <p:ph type="title"/>
+          </p:nvPr>
+        </p:nvSpPr>
+        <p:spPr>
+          <a:xfrm>
+            <a:off x="581192" y="5262295"/>
+            <a:ext cx="11095499" cy="941151"/>
+          </a:xfrm>
+        </p:spPr>
+        <p:txBody>
+          <a:bodyPr>
+            <a:normAutofit/>
+          </a:bodyPr>
+          <a:lstStyle/>
+          <a:p>
+            <a:r>
               <a:rPr lang="en-US" sz="3200" dirty="0">
                 <a:solidFill>
                   <a:schemeClr val="bg1"/>
@@ -13937,7 +13354,7 @@
         <p:spPr>
           <a:xfrm>
             <a:off x="486561" y="796954"/>
-            <a:ext cx="11190130" cy="646331"/>
+            <a:ext cx="11190130" cy="3416320"/>
           </a:xfrm>
           <a:prstGeom prst="rect">
             <a:avLst/>
@@ -13955,8 +13372,8 @@
               <a:buChar char="•"/>
             </a:pPr>
             <a:r>
-              <a:rPr lang="en-US" dirty="0"/>
-              <a:t>Convert the models output into a human-readable form.</a:t>
+              <a:rPr lang="en-US" sz="2400" dirty="0"/>
+              <a:t>GRU to replace LSTM have given better result for MS research</a:t>
             </a:r>
           </a:p>
           <a:p>
@@ -13965,9 +13382,61 @@
               <a:buChar char="•"/>
             </a:pPr>
             <a:r>
-              <a:rPr lang="en-US" dirty="0"/>
-              <a:t>Implement something?</a:t>
-            </a:r>
+              <a:rPr lang="en-US" sz="2400" dirty="0"/>
+              <a:t>Process output back to text</a:t>
+            </a:r>
+          </a:p>
+          <a:p>
+            <a:pPr marL="285750" indent="-285750">
+              <a:buFont typeface="Arial" panose="020B0604020202020204" pitchFamily="34" charset="0"/>
+              <a:buChar char="•"/>
+            </a:pPr>
+            <a:r>
+              <a:rPr lang="en-US" sz="2400" dirty="0"/>
+              <a:t>Use CNN if possible to reduce computation and complexity</a:t>
+            </a:r>
+          </a:p>
+          <a:p>
+            <a:pPr marL="285750" indent="-285750">
+              <a:buFont typeface="Arial" panose="020B0604020202020204" pitchFamily="34" charset="0"/>
+              <a:buChar char="•"/>
+            </a:pPr>
+            <a:endParaRPr lang="en-US" sz="2400" dirty="0"/>
+          </a:p>
+          <a:p>
+            <a:pPr marL="285750" indent="-285750">
+              <a:buFont typeface="Arial" panose="020B0604020202020204" pitchFamily="34" charset="0"/>
+              <a:buChar char="•"/>
+            </a:pPr>
+            <a:endParaRPr lang="en-US" sz="2400" dirty="0"/>
+          </a:p>
+          <a:p>
+            <a:pPr marL="285750" indent="-285750">
+              <a:buFont typeface="Arial" panose="020B0604020202020204" pitchFamily="34" charset="0"/>
+              <a:buChar char="•"/>
+            </a:pPr>
+            <a:endParaRPr lang="en-US" sz="2400" dirty="0"/>
+          </a:p>
+          <a:p>
+            <a:pPr marL="285750" indent="-285750">
+              <a:buFont typeface="Arial" panose="020B0604020202020204" pitchFamily="34" charset="0"/>
+              <a:buChar char="•"/>
+            </a:pPr>
+            <a:endParaRPr lang="en-US" sz="2400" dirty="0"/>
+          </a:p>
+          <a:p>
+            <a:pPr marL="285750" indent="-285750">
+              <a:buFont typeface="Arial" panose="020B0604020202020204" pitchFamily="34" charset="0"/>
+              <a:buChar char="•"/>
+            </a:pPr>
+            <a:endParaRPr lang="en-US" sz="2400" dirty="0"/>
+          </a:p>
+          <a:p>
+            <a:pPr marL="285750" indent="-285750">
+              <a:buFont typeface="Arial" panose="020B0604020202020204" pitchFamily="34" charset="0"/>
+              <a:buChar char="•"/>
+            </a:pPr>
+            <a:endParaRPr lang="en-US" sz="2400" dirty="0"/>
           </a:p>
         </p:txBody>
       </p:sp>
@@ -13984,7 +13453,7 @@
 </p:sld>
 </file>
 
-<file path=ppt/slides/slide9.xml><?xml version="1.0" encoding="utf-8"?>
+<file path=ppt/slides/slide15.xml><?xml version="1.0" encoding="utf-8"?>
 <p:sld xmlns:a="http://schemas.openxmlformats.org/drawingml/2006/main" xmlns:r="http://schemas.openxmlformats.org/officeDocument/2006/relationships" xmlns:p="http://schemas.openxmlformats.org/presentationml/2006/main">
   <p:cSld>
     <p:bg>
@@ -14201,6 +13670,76 @@
               </a:rPr>
               <a:t>Questions?</a:t>
             </a:r>
+          </a:p>
+        </p:txBody>
+      </p:sp>
+      <p:sp>
+        <p:nvSpPr>
+          <p:cNvPr id="3" name="Subtitle 2">
+            <a:extLst>
+              <a:ext uri="{FF2B5EF4-FFF2-40B4-BE49-F238E27FC236}">
+                <a16:creationId xmlns:a16="http://schemas.microsoft.com/office/drawing/2014/main" id="{A9CB511D-EA45-4336-847C-1252667143B5}"/>
+              </a:ext>
+            </a:extLst>
+          </p:cNvPr>
+          <p:cNvSpPr>
+            <a:spLocks noGrp="1"/>
+          </p:cNvSpPr>
+          <p:nvPr>
+            <p:ph type="subTitle" idx="1"/>
+          </p:nvPr>
+        </p:nvSpPr>
+        <p:spPr>
+          <a:xfrm>
+            <a:off x="8353019" y="5247764"/>
+            <a:ext cx="3081576" cy="886337"/>
+          </a:xfrm>
+        </p:spPr>
+        <p:txBody>
+          <a:bodyPr>
+            <a:normAutofit/>
+          </a:bodyPr>
+          <a:lstStyle/>
+          <a:p>
+            <a:r>
+              <a:rPr lang="en-US" dirty="0" err="1">
+                <a:solidFill>
+                  <a:schemeClr val="bg2"/>
+                </a:solidFill>
+              </a:rPr>
+              <a:t>Noul</a:t>
+            </a:r>
+            <a:r>
+              <a:rPr lang="en-US" dirty="0">
+                <a:solidFill>
+                  <a:schemeClr val="bg2"/>
+                </a:solidFill>
+              </a:rPr>
+              <a:t> Singla</a:t>
+            </a:r>
+          </a:p>
+          <a:p>
+            <a:r>
+              <a:rPr lang="en-US" dirty="0">
+                <a:solidFill>
+                  <a:schemeClr val="bg2"/>
+                </a:solidFill>
+              </a:rPr>
+              <a:t>Vipul </a:t>
+            </a:r>
+            <a:r>
+              <a:rPr lang="en-US" dirty="0" err="1">
+                <a:solidFill>
+                  <a:schemeClr val="bg2"/>
+                </a:solidFill>
+              </a:rPr>
+              <a:t>sharma</a:t>
+            </a:r>
+            <a:endParaRPr lang="en-US" dirty="0">
+              <a:solidFill>
+                <a:schemeClr val="bg2"/>
+              </a:solidFill>
+            </a:endParaRPr>
           </a:p>
         </p:txBody>
       </p:sp>
@@ -14408,7 +13947,7 @@
         </p:nvSpPr>
         <p:spPr>
           <a:xfrm>
-            <a:off x="8536765" y="5031163"/>
+            <a:off x="8240957" y="4204286"/>
             <a:ext cx="3305699" cy="1275126"/>
           </a:xfrm>
           <a:prstGeom prst="rect">
@@ -14527,6 +14066,2450 @@
     <p:extLst>
       <p:ext uri="{BB962C8B-B14F-4D97-AF65-F5344CB8AC3E}">
         <p14:creationId xmlns:p14="http://schemas.microsoft.com/office/powerpoint/2010/main" val="3501347425"/>
+      </p:ext>
+    </p:extLst>
+  </p:cSld>
+  <p:clrMapOvr>
+    <a:masterClrMapping/>
+  </p:clrMapOvr>
+</p:sld>
+</file>
+
+<file path=ppt/slides/slide2.xml><?xml version="1.0" encoding="utf-8"?>
+<p:sld xmlns:a="http://schemas.openxmlformats.org/drawingml/2006/main" xmlns:r="http://schemas.openxmlformats.org/officeDocument/2006/relationships" xmlns:p="http://schemas.openxmlformats.org/presentationml/2006/main">
+  <p:cSld>
+    <p:spTree>
+      <p:nvGrpSpPr>
+        <p:cNvPr id="1" name=""/>
+        <p:cNvGrpSpPr/>
+        <p:nvPr/>
+      </p:nvGrpSpPr>
+      <p:grpSpPr>
+        <a:xfrm>
+          <a:off x="0" y="0"/>
+          <a:ext cx="0" cy="0"/>
+          <a:chOff x="0" y="0"/>
+          <a:chExt cx="0" cy="0"/>
+        </a:xfrm>
+      </p:grpSpPr>
+      <p:sp>
+        <p:nvSpPr>
+          <p:cNvPr id="2" name="Title 1">
+            <a:extLst>
+              <a:ext uri="{FF2B5EF4-FFF2-40B4-BE49-F238E27FC236}">
+                <a16:creationId xmlns:a16="http://schemas.microsoft.com/office/drawing/2014/main" id="{9FCE45BF-1A83-41B8-B3B7-D6E4B03BFFD1}"/>
+              </a:ext>
+            </a:extLst>
+          </p:cNvPr>
+          <p:cNvSpPr>
+            <a:spLocks noGrp="1"/>
+          </p:cNvSpPr>
+          <p:nvPr>
+            <p:ph type="title"/>
+          </p:nvPr>
+        </p:nvSpPr>
+        <p:spPr>
+          <a:xfrm>
+            <a:off x="581192" y="5262295"/>
+            <a:ext cx="11095499" cy="941151"/>
+          </a:xfrm>
+        </p:spPr>
+        <p:txBody>
+          <a:bodyPr>
+            <a:normAutofit/>
+          </a:bodyPr>
+          <a:lstStyle/>
+          <a:p>
+            <a:r>
+              <a:rPr lang="en-US" sz="3200" dirty="0">
+                <a:solidFill>
+                  <a:schemeClr val="bg1"/>
+                </a:solidFill>
+              </a:rPr>
+              <a:t>What are we working on?</a:t>
+            </a:r>
+          </a:p>
+        </p:txBody>
+      </p:sp>
+      <p:pic>
+        <p:nvPicPr>
+          <p:cNvPr id="6" name="Content Placeholder 5">
+            <a:extLst>
+              <a:ext uri="{FF2B5EF4-FFF2-40B4-BE49-F238E27FC236}">
+                <a16:creationId xmlns:a16="http://schemas.microsoft.com/office/drawing/2014/main" id="{D875464B-998F-4032-AD87-C03EB6CB3446}"/>
+              </a:ext>
+            </a:extLst>
+          </p:cNvPr>
+          <p:cNvPicPr>
+            <a:picLocks noGrp="1" noChangeAspect="1"/>
+          </p:cNvPicPr>
+          <p:nvPr>
+            <p:ph idx="1"/>
+          </p:nvPr>
+        </p:nvPicPr>
+        <p:blipFill>
+          <a:blip r:embed="rId2"/>
+          <a:stretch>
+            <a:fillRect/>
+          </a:stretch>
+        </p:blipFill>
+        <p:spPr>
+          <a:xfrm>
+            <a:off x="2030757" y="1703236"/>
+            <a:ext cx="3075038" cy="1461704"/>
+          </a:xfrm>
+        </p:spPr>
+      </p:pic>
+      <p:pic>
+        <p:nvPicPr>
+          <p:cNvPr id="4" name="Picture 3">
+            <a:extLst>
+              <a:ext uri="{FF2B5EF4-FFF2-40B4-BE49-F238E27FC236}">
+                <a16:creationId xmlns:a16="http://schemas.microsoft.com/office/drawing/2014/main" id="{98B8E107-792F-4031-B2B8-13EC4F3C16A8}"/>
+              </a:ext>
+            </a:extLst>
+          </p:cNvPr>
+          <p:cNvPicPr>
+            <a:picLocks noChangeAspect="1"/>
+          </p:cNvPicPr>
+          <p:nvPr/>
+        </p:nvPicPr>
+        <p:blipFill>
+          <a:blip r:embed="rId3"/>
+          <a:stretch>
+            <a:fillRect/>
+          </a:stretch>
+        </p:blipFill>
+        <p:spPr>
+          <a:xfrm>
+            <a:off x="441048" y="624071"/>
+            <a:ext cx="1589709" cy="2266410"/>
+          </a:xfrm>
+          <a:prstGeom prst="rect">
+            <a:avLst/>
+          </a:prstGeom>
+        </p:spPr>
+      </p:pic>
+      <p:pic>
+        <p:nvPicPr>
+          <p:cNvPr id="10" name="Picture 9" descr="A circuit board&#10;&#10;Description generated with high confidence">
+            <a:extLst>
+              <a:ext uri="{FF2B5EF4-FFF2-40B4-BE49-F238E27FC236}">
+                <a16:creationId xmlns:a16="http://schemas.microsoft.com/office/drawing/2014/main" id="{B42FC4EB-6D66-4FDF-91D8-680EDC1D62E3}"/>
+              </a:ext>
+            </a:extLst>
+          </p:cNvPr>
+          <p:cNvPicPr>
+            <a:picLocks noChangeAspect="1"/>
+          </p:cNvPicPr>
+          <p:nvPr/>
+        </p:nvPicPr>
+        <p:blipFill>
+          <a:blip r:embed="rId4"/>
+          <a:stretch>
+            <a:fillRect/>
+          </a:stretch>
+        </p:blipFill>
+        <p:spPr>
+          <a:xfrm>
+            <a:off x="4933167" y="545497"/>
+            <a:ext cx="2809087" cy="4399041"/>
+          </a:xfrm>
+          <a:prstGeom prst="rect">
+            <a:avLst/>
+          </a:prstGeom>
+        </p:spPr>
+      </p:pic>
+      <p:sp>
+        <p:nvSpPr>
+          <p:cNvPr id="9" name="TextBox 8">
+            <a:extLst>
+              <a:ext uri="{FF2B5EF4-FFF2-40B4-BE49-F238E27FC236}">
+                <a16:creationId xmlns:a16="http://schemas.microsoft.com/office/drawing/2014/main" id="{C6F8968F-B8A2-4439-A13B-88D132C439D2}"/>
+              </a:ext>
+            </a:extLst>
+          </p:cNvPr>
+          <p:cNvSpPr txBox="1"/>
+          <p:nvPr/>
+        </p:nvSpPr>
+        <p:spPr>
+          <a:xfrm>
+            <a:off x="8567100" y="3733101"/>
+            <a:ext cx="2745171" cy="1200329"/>
+          </a:xfrm>
+          <a:prstGeom prst="rect">
+            <a:avLst/>
+          </a:prstGeom>
+          <a:noFill/>
+        </p:spPr>
+        <p:txBody>
+          <a:bodyPr wrap="square" rtlCol="0">
+            <a:spAutoFit/>
+          </a:bodyPr>
+          <a:lstStyle/>
+          <a:p>
+            <a:r>
+              <a:rPr lang="en-US" sz="2400" b="1" dirty="0">
+                <a:solidFill>
+                  <a:srgbClr val="1A3260"/>
+                </a:solidFill>
+              </a:rPr>
+              <a:t>Archie: </a:t>
+            </a:r>
+            <a:r>
+              <a:rPr lang="en-US" sz="2400" dirty="0"/>
+              <a:t>Our question answering model</a:t>
+            </a:r>
+          </a:p>
+        </p:txBody>
+      </p:sp>
+      <p:pic>
+        <p:nvPicPr>
+          <p:cNvPr id="12" name="Picture 11" descr="A picture containing text, book&#10;&#10;Description generated with very high confidence">
+            <a:extLst>
+              <a:ext uri="{FF2B5EF4-FFF2-40B4-BE49-F238E27FC236}">
+                <a16:creationId xmlns:a16="http://schemas.microsoft.com/office/drawing/2014/main" id="{7B98F2BE-92D6-45C7-8F44-58EBC544F681}"/>
+              </a:ext>
+            </a:extLst>
+          </p:cNvPr>
+          <p:cNvPicPr>
+            <a:picLocks noChangeAspect="1"/>
+          </p:cNvPicPr>
+          <p:nvPr/>
+        </p:nvPicPr>
+        <p:blipFill>
+          <a:blip r:embed="rId5"/>
+          <a:stretch>
+            <a:fillRect/>
+          </a:stretch>
+        </p:blipFill>
+        <p:spPr>
+          <a:xfrm>
+            <a:off x="8322381" y="713579"/>
+            <a:ext cx="3111814" cy="2855089"/>
+          </a:xfrm>
+          <a:prstGeom prst="rect">
+            <a:avLst/>
+          </a:prstGeom>
+        </p:spPr>
+      </p:pic>
+    </p:spTree>
+    <p:extLst>
+      <p:ext uri="{BB962C8B-B14F-4D97-AF65-F5344CB8AC3E}">
+        <p14:creationId xmlns:p14="http://schemas.microsoft.com/office/powerpoint/2010/main" val="3643999881"/>
+      </p:ext>
+    </p:extLst>
+  </p:cSld>
+  <p:clrMapOvr>
+    <a:masterClrMapping/>
+  </p:clrMapOvr>
+</p:sld>
+</file>
+
+<file path=ppt/slides/slide3.xml><?xml version="1.0" encoding="utf-8"?>
+<p:sld xmlns:a="http://schemas.openxmlformats.org/drawingml/2006/main" xmlns:r="http://schemas.openxmlformats.org/officeDocument/2006/relationships" xmlns:p="http://schemas.openxmlformats.org/presentationml/2006/main">
+  <p:cSld>
+    <p:spTree>
+      <p:nvGrpSpPr>
+        <p:cNvPr id="1" name=""/>
+        <p:cNvGrpSpPr/>
+        <p:nvPr/>
+      </p:nvGrpSpPr>
+      <p:grpSpPr>
+        <a:xfrm>
+          <a:off x="0" y="0"/>
+          <a:ext cx="0" cy="0"/>
+          <a:chOff x="0" y="0"/>
+          <a:chExt cx="0" cy="0"/>
+        </a:xfrm>
+      </p:grpSpPr>
+      <p:sp>
+        <p:nvSpPr>
+          <p:cNvPr id="2" name="Title 1">
+            <a:extLst>
+              <a:ext uri="{FF2B5EF4-FFF2-40B4-BE49-F238E27FC236}">
+                <a16:creationId xmlns:a16="http://schemas.microsoft.com/office/drawing/2014/main" id="{4CD946DD-379F-4409-9980-28CCBA5BA06D}"/>
+              </a:ext>
+            </a:extLst>
+          </p:cNvPr>
+          <p:cNvSpPr>
+            <a:spLocks noGrp="1"/>
+          </p:cNvSpPr>
+          <p:nvPr>
+            <p:ph type="title"/>
+          </p:nvPr>
+        </p:nvSpPr>
+        <p:spPr/>
+        <p:txBody>
+          <a:bodyPr>
+            <a:normAutofit/>
+          </a:bodyPr>
+          <a:lstStyle/>
+          <a:p>
+            <a:r>
+              <a:rPr lang="en-US" sz="3200" dirty="0">
+                <a:solidFill>
+                  <a:schemeClr val="bg1"/>
+                </a:solidFill>
+              </a:rPr>
+              <a:t>Background</a:t>
+            </a:r>
+          </a:p>
+        </p:txBody>
+      </p:sp>
+      <p:sp>
+        <p:nvSpPr>
+          <p:cNvPr id="3" name="Content Placeholder 2">
+            <a:extLst>
+              <a:ext uri="{FF2B5EF4-FFF2-40B4-BE49-F238E27FC236}">
+                <a16:creationId xmlns:a16="http://schemas.microsoft.com/office/drawing/2014/main" id="{817D9CB2-6C8F-46BE-9DED-F43436377357}"/>
+              </a:ext>
+            </a:extLst>
+          </p:cNvPr>
+          <p:cNvSpPr>
+            <a:spLocks noGrp="1"/>
+          </p:cNvSpPr>
+          <p:nvPr>
+            <p:ph idx="1"/>
+          </p:nvPr>
+        </p:nvSpPr>
+        <p:spPr/>
+        <p:txBody>
+          <a:bodyPr/>
+          <a:lstStyle/>
+          <a:p>
+            <a:r>
+              <a:rPr lang="en-US" b="1" dirty="0"/>
+              <a:t>S</a:t>
+            </a:r>
+            <a:r>
+              <a:rPr lang="en-US" dirty="0"/>
+              <a:t>tanford </a:t>
+            </a:r>
+            <a:r>
+              <a:rPr lang="en-US" b="1" dirty="0"/>
+              <a:t>Qu</a:t>
+            </a:r>
+            <a:r>
+              <a:rPr lang="en-US" dirty="0"/>
+              <a:t>estion </a:t>
+            </a:r>
+            <a:r>
+              <a:rPr lang="en-US" b="1" dirty="0"/>
+              <a:t>A</a:t>
+            </a:r>
+            <a:r>
+              <a:rPr lang="en-US" dirty="0"/>
+              <a:t>nswering </a:t>
+            </a:r>
+            <a:r>
+              <a:rPr lang="en-US" b="1" dirty="0"/>
+              <a:t>D</a:t>
+            </a:r>
+            <a:r>
+              <a:rPr lang="en-US" dirty="0"/>
+              <a:t>ataset (SQuAD) is a reading comprehension dataset, consisting of questions posed by </a:t>
+            </a:r>
+            <a:r>
+              <a:rPr lang="en-US" dirty="0" err="1"/>
+              <a:t>crowdworkers</a:t>
+            </a:r>
+            <a:r>
+              <a:rPr lang="en-US" dirty="0"/>
+              <a:t> on a set of Wikipedia articles.</a:t>
+            </a:r>
+          </a:p>
+          <a:p>
+            <a:r>
+              <a:rPr lang="en-US" dirty="0"/>
+              <a:t>The answer to every question is a segment of text from the corresponding reading passage or the question might be unanswerable.</a:t>
+            </a:r>
+          </a:p>
+          <a:p>
+            <a:r>
+              <a:rPr lang="en-US" b="1" dirty="0"/>
+              <a:t>SQuAD 1.1</a:t>
+            </a:r>
+            <a:r>
+              <a:rPr lang="en-US" dirty="0"/>
+              <a:t>, contains 81,386 question-answer pairs on 500+ articles.</a:t>
+            </a:r>
+          </a:p>
+          <a:p>
+            <a:r>
+              <a:rPr lang="en-US" dirty="0"/>
+              <a:t>The test data contained 4284 questions.</a:t>
+            </a:r>
+          </a:p>
+          <a:p>
+            <a:r>
+              <a:rPr lang="en-US" dirty="0"/>
+              <a:t>Objective of this project is to generate Neural Understanding models to read comprehension and match human intelligence in answering questions.</a:t>
+            </a:r>
+          </a:p>
+          <a:p>
+            <a:pPr marL="0" indent="0">
+              <a:buNone/>
+            </a:pPr>
+            <a:endParaRPr lang="en-US" dirty="0"/>
+          </a:p>
+        </p:txBody>
+      </p:sp>
+      <p:sp>
+        <p:nvSpPr>
+          <p:cNvPr id="4" name="Text Placeholder 3">
+            <a:extLst>
+              <a:ext uri="{FF2B5EF4-FFF2-40B4-BE49-F238E27FC236}">
+                <a16:creationId xmlns:a16="http://schemas.microsoft.com/office/drawing/2014/main" id="{144AB922-F73B-426B-BA31-2A5A59B38A56}"/>
+              </a:ext>
+            </a:extLst>
+          </p:cNvPr>
+          <p:cNvSpPr>
+            <a:spLocks noGrp="1"/>
+          </p:cNvSpPr>
+          <p:nvPr>
+            <p:ph type="body" sz="half" idx="2"/>
+          </p:nvPr>
+        </p:nvSpPr>
+        <p:spPr/>
+        <p:txBody>
+          <a:bodyPr/>
+          <a:lstStyle/>
+          <a:p>
+            <a:endParaRPr lang="en-US"/>
+          </a:p>
+        </p:txBody>
+      </p:sp>
+    </p:spTree>
+    <p:extLst>
+      <p:ext uri="{BB962C8B-B14F-4D97-AF65-F5344CB8AC3E}">
+        <p14:creationId xmlns:p14="http://schemas.microsoft.com/office/powerpoint/2010/main" val="159633263"/>
+      </p:ext>
+    </p:extLst>
+  </p:cSld>
+  <p:clrMapOvr>
+    <a:masterClrMapping/>
+  </p:clrMapOvr>
+</p:sld>
+</file>
+
+<file path=ppt/slides/slide4.xml><?xml version="1.0" encoding="utf-8"?>
+<p:sld xmlns:a="http://schemas.openxmlformats.org/drawingml/2006/main" xmlns:r="http://schemas.openxmlformats.org/officeDocument/2006/relationships" xmlns:p="http://schemas.openxmlformats.org/presentationml/2006/main">
+  <p:cSld>
+    <p:spTree>
+      <p:nvGrpSpPr>
+        <p:cNvPr id="1" name=""/>
+        <p:cNvGrpSpPr/>
+        <p:nvPr/>
+      </p:nvGrpSpPr>
+      <p:grpSpPr>
+        <a:xfrm>
+          <a:off x="0" y="0"/>
+          <a:ext cx="0" cy="0"/>
+          <a:chOff x="0" y="0"/>
+          <a:chExt cx="0" cy="0"/>
+        </a:xfrm>
+      </p:grpSpPr>
+      <p:sp>
+        <p:nvSpPr>
+          <p:cNvPr id="2" name="Title 1">
+            <a:extLst>
+              <a:ext uri="{FF2B5EF4-FFF2-40B4-BE49-F238E27FC236}">
+                <a16:creationId xmlns:a16="http://schemas.microsoft.com/office/drawing/2014/main" id="{4CD946DD-379F-4409-9980-28CCBA5BA06D}"/>
+              </a:ext>
+            </a:extLst>
+          </p:cNvPr>
+          <p:cNvSpPr>
+            <a:spLocks noGrp="1"/>
+          </p:cNvSpPr>
+          <p:nvPr>
+            <p:ph type="title"/>
+          </p:nvPr>
+        </p:nvSpPr>
+        <p:spPr/>
+        <p:txBody>
+          <a:bodyPr>
+            <a:normAutofit/>
+          </a:bodyPr>
+          <a:lstStyle/>
+          <a:p>
+            <a:r>
+              <a:rPr lang="en-US" sz="3200" dirty="0">
+                <a:solidFill>
+                  <a:schemeClr val="bg1"/>
+                </a:solidFill>
+              </a:rPr>
+              <a:t>Our approach</a:t>
+            </a:r>
+          </a:p>
+        </p:txBody>
+      </p:sp>
+      <p:sp>
+        <p:nvSpPr>
+          <p:cNvPr id="4" name="Text Placeholder 3">
+            <a:extLst>
+              <a:ext uri="{FF2B5EF4-FFF2-40B4-BE49-F238E27FC236}">
+                <a16:creationId xmlns:a16="http://schemas.microsoft.com/office/drawing/2014/main" id="{144AB922-F73B-426B-BA31-2A5A59B38A56}"/>
+              </a:ext>
+            </a:extLst>
+          </p:cNvPr>
+          <p:cNvSpPr>
+            <a:spLocks noGrp="1"/>
+          </p:cNvSpPr>
+          <p:nvPr>
+            <p:ph type="body" sz="half" idx="2"/>
+          </p:nvPr>
+        </p:nvSpPr>
+        <p:spPr/>
+        <p:txBody>
+          <a:bodyPr/>
+          <a:lstStyle/>
+          <a:p>
+            <a:endParaRPr lang="en-US"/>
+          </a:p>
+        </p:txBody>
+      </p:sp>
+      <p:sp>
+        <p:nvSpPr>
+          <p:cNvPr id="7" name="Flowchart: Magnetic Disk 6">
+            <a:extLst>
+              <a:ext uri="{FF2B5EF4-FFF2-40B4-BE49-F238E27FC236}">
+                <a16:creationId xmlns:a16="http://schemas.microsoft.com/office/drawing/2014/main" id="{C131998C-E373-4BAA-A849-4739D4C4CF05}"/>
+              </a:ext>
+            </a:extLst>
+          </p:cNvPr>
+          <p:cNvSpPr/>
+          <p:nvPr/>
+        </p:nvSpPr>
+        <p:spPr>
+          <a:xfrm>
+            <a:off x="786933" y="1370115"/>
+            <a:ext cx="1090569" cy="1317071"/>
+          </a:xfrm>
+          <a:prstGeom prst="flowChartMagneticDisk">
+            <a:avLst/>
+          </a:prstGeom>
+        </p:spPr>
+        <p:style>
+          <a:lnRef idx="2">
+            <a:schemeClr val="accent1"/>
+          </a:lnRef>
+          <a:fillRef idx="1">
+            <a:schemeClr val="lt1"/>
+          </a:fillRef>
+          <a:effectRef idx="0">
+            <a:schemeClr val="accent1"/>
+          </a:effectRef>
+          <a:fontRef idx="minor">
+            <a:schemeClr val="dk1"/>
+          </a:fontRef>
+        </p:style>
+        <p:txBody>
+          <a:bodyPr rtlCol="0" anchor="ctr"/>
+          <a:lstStyle/>
+          <a:p>
+            <a:pPr algn="ctr"/>
+            <a:r>
+              <a:rPr lang="en-US" dirty="0"/>
+              <a:t>SQuAD Dataset</a:t>
+            </a:r>
+          </a:p>
+        </p:txBody>
+      </p:sp>
+      <p:sp>
+        <p:nvSpPr>
+          <p:cNvPr id="8" name="Flowchart: Process 7">
+            <a:extLst>
+              <a:ext uri="{FF2B5EF4-FFF2-40B4-BE49-F238E27FC236}">
+                <a16:creationId xmlns:a16="http://schemas.microsoft.com/office/drawing/2014/main" id="{F6FAB767-B1E1-4FAA-9564-6C92E7C5F50C}"/>
+              </a:ext>
+            </a:extLst>
+          </p:cNvPr>
+          <p:cNvSpPr/>
+          <p:nvPr/>
+        </p:nvSpPr>
+        <p:spPr>
+          <a:xfrm>
+            <a:off x="2593364" y="1625980"/>
+            <a:ext cx="2063692" cy="805343"/>
+          </a:xfrm>
+          <a:prstGeom prst="flowChartProcess">
+            <a:avLst/>
+          </a:prstGeom>
+        </p:spPr>
+        <p:style>
+          <a:lnRef idx="2">
+            <a:schemeClr val="accent1"/>
+          </a:lnRef>
+          <a:fillRef idx="1">
+            <a:schemeClr val="lt1"/>
+          </a:fillRef>
+          <a:effectRef idx="0">
+            <a:schemeClr val="accent1"/>
+          </a:effectRef>
+          <a:fontRef idx="minor">
+            <a:schemeClr val="dk1"/>
+          </a:fontRef>
+        </p:style>
+        <p:txBody>
+          <a:bodyPr rtlCol="0" anchor="ctr"/>
+          <a:lstStyle/>
+          <a:p>
+            <a:pPr algn="ctr"/>
+            <a:r>
+              <a:rPr lang="en-US" dirty="0"/>
+              <a:t>Pre-Processing</a:t>
+            </a:r>
+          </a:p>
+        </p:txBody>
+      </p:sp>
+      <p:sp>
+        <p:nvSpPr>
+          <p:cNvPr id="9" name="Flowchart: Process 8">
+            <a:extLst>
+              <a:ext uri="{FF2B5EF4-FFF2-40B4-BE49-F238E27FC236}">
+                <a16:creationId xmlns:a16="http://schemas.microsoft.com/office/drawing/2014/main" id="{66A8C0C0-17B7-41CD-987E-51DF0054585B}"/>
+              </a:ext>
+            </a:extLst>
+          </p:cNvPr>
+          <p:cNvSpPr/>
+          <p:nvPr/>
+        </p:nvSpPr>
+        <p:spPr>
+          <a:xfrm>
+            <a:off x="5372918" y="1625980"/>
+            <a:ext cx="2063692" cy="805343"/>
+          </a:xfrm>
+          <a:prstGeom prst="flowChartProcess">
+            <a:avLst/>
+          </a:prstGeom>
+        </p:spPr>
+        <p:style>
+          <a:lnRef idx="2">
+            <a:schemeClr val="accent1"/>
+          </a:lnRef>
+          <a:fillRef idx="1">
+            <a:schemeClr val="lt1"/>
+          </a:fillRef>
+          <a:effectRef idx="0">
+            <a:schemeClr val="accent1"/>
+          </a:effectRef>
+          <a:fontRef idx="minor">
+            <a:schemeClr val="dk1"/>
+          </a:fontRef>
+        </p:style>
+        <p:txBody>
+          <a:bodyPr rtlCol="0" anchor="ctr"/>
+          <a:lstStyle/>
+          <a:p>
+            <a:pPr algn="ctr"/>
+            <a:r>
+              <a:rPr lang="en-US" dirty="0"/>
+              <a:t>Contextual Binding</a:t>
+            </a:r>
+          </a:p>
+          <a:p>
+            <a:pPr algn="ctr"/>
+            <a:r>
+              <a:rPr lang="en-US" dirty="0"/>
+              <a:t>(GloVe)</a:t>
+            </a:r>
+          </a:p>
+        </p:txBody>
+      </p:sp>
+      <p:sp>
+        <p:nvSpPr>
+          <p:cNvPr id="10" name="Flowchart: Process 9">
+            <a:extLst>
+              <a:ext uri="{FF2B5EF4-FFF2-40B4-BE49-F238E27FC236}">
+                <a16:creationId xmlns:a16="http://schemas.microsoft.com/office/drawing/2014/main" id="{CFDB5842-FEE6-49DD-A652-7337AD67D373}"/>
+              </a:ext>
+            </a:extLst>
+          </p:cNvPr>
+          <p:cNvSpPr/>
+          <p:nvPr/>
+        </p:nvSpPr>
+        <p:spPr>
+          <a:xfrm>
+            <a:off x="8152472" y="1604308"/>
+            <a:ext cx="2063692" cy="805343"/>
+          </a:xfrm>
+          <a:prstGeom prst="flowChartProcess">
+            <a:avLst/>
+          </a:prstGeom>
+        </p:spPr>
+        <p:style>
+          <a:lnRef idx="2">
+            <a:schemeClr val="accent1"/>
+          </a:lnRef>
+          <a:fillRef idx="1">
+            <a:schemeClr val="lt1"/>
+          </a:fillRef>
+          <a:effectRef idx="0">
+            <a:schemeClr val="accent1"/>
+          </a:effectRef>
+          <a:fontRef idx="minor">
+            <a:schemeClr val="dk1"/>
+          </a:fontRef>
+        </p:style>
+        <p:txBody>
+          <a:bodyPr rtlCol="0" anchor="ctr"/>
+          <a:lstStyle/>
+          <a:p>
+            <a:pPr algn="ctr"/>
+            <a:r>
+              <a:rPr lang="en-US" dirty="0"/>
+              <a:t>Train the Seq2Seq Model</a:t>
+            </a:r>
+          </a:p>
+          <a:p>
+            <a:pPr algn="ctr"/>
+            <a:r>
+              <a:rPr lang="en-US" dirty="0"/>
+              <a:t>(LSTM)</a:t>
+            </a:r>
+          </a:p>
+        </p:txBody>
+      </p:sp>
+      <p:sp>
+        <p:nvSpPr>
+          <p:cNvPr id="11" name="Flowchart: Process 10">
+            <a:extLst>
+              <a:ext uri="{FF2B5EF4-FFF2-40B4-BE49-F238E27FC236}">
+                <a16:creationId xmlns:a16="http://schemas.microsoft.com/office/drawing/2014/main" id="{32DC2C45-032C-4A54-91AC-FBC4078C0215}"/>
+              </a:ext>
+            </a:extLst>
+          </p:cNvPr>
+          <p:cNvSpPr/>
+          <p:nvPr/>
+        </p:nvSpPr>
+        <p:spPr>
+          <a:xfrm>
+            <a:off x="7436610" y="3148569"/>
+            <a:ext cx="2063692" cy="805343"/>
+          </a:xfrm>
+          <a:prstGeom prst="flowChartProcess">
+            <a:avLst/>
+          </a:prstGeom>
+        </p:spPr>
+        <p:style>
+          <a:lnRef idx="2">
+            <a:schemeClr val="accent1"/>
+          </a:lnRef>
+          <a:fillRef idx="1">
+            <a:schemeClr val="lt1"/>
+          </a:fillRef>
+          <a:effectRef idx="0">
+            <a:schemeClr val="accent1"/>
+          </a:effectRef>
+          <a:fontRef idx="minor">
+            <a:schemeClr val="dk1"/>
+          </a:fontRef>
+        </p:style>
+        <p:txBody>
+          <a:bodyPr rtlCol="0" anchor="ctr"/>
+          <a:lstStyle/>
+          <a:p>
+            <a:pPr algn="ctr"/>
+            <a:r>
+              <a:rPr lang="en-US" dirty="0"/>
+              <a:t>Configuring the Parameters</a:t>
+            </a:r>
+          </a:p>
+        </p:txBody>
+      </p:sp>
+      <p:sp>
+        <p:nvSpPr>
+          <p:cNvPr id="12" name="Flowchart: Process 11">
+            <a:extLst>
+              <a:ext uri="{FF2B5EF4-FFF2-40B4-BE49-F238E27FC236}">
+                <a16:creationId xmlns:a16="http://schemas.microsoft.com/office/drawing/2014/main" id="{D169E797-38EA-44C4-ADDB-85C20B655FB2}"/>
+              </a:ext>
+            </a:extLst>
+          </p:cNvPr>
+          <p:cNvSpPr/>
+          <p:nvPr/>
+        </p:nvSpPr>
+        <p:spPr>
+          <a:xfrm>
+            <a:off x="4657056" y="3148569"/>
+            <a:ext cx="2063692" cy="805343"/>
+          </a:xfrm>
+          <a:prstGeom prst="flowChartProcess">
+            <a:avLst/>
+          </a:prstGeom>
+        </p:spPr>
+        <p:style>
+          <a:lnRef idx="2">
+            <a:schemeClr val="accent1"/>
+          </a:lnRef>
+          <a:fillRef idx="1">
+            <a:schemeClr val="lt1"/>
+          </a:fillRef>
+          <a:effectRef idx="0">
+            <a:schemeClr val="accent1"/>
+          </a:effectRef>
+          <a:fontRef idx="minor">
+            <a:schemeClr val="dk1"/>
+          </a:fontRef>
+        </p:style>
+        <p:txBody>
+          <a:bodyPr rtlCol="0" anchor="ctr"/>
+          <a:lstStyle/>
+          <a:p>
+            <a:pPr algn="ctr"/>
+            <a:r>
+              <a:rPr lang="en-US" dirty="0"/>
+              <a:t>Evaluation</a:t>
+            </a:r>
+          </a:p>
+        </p:txBody>
+      </p:sp>
+      <p:cxnSp>
+        <p:nvCxnSpPr>
+          <p:cNvPr id="13" name="Straight Arrow Connector 12">
+            <a:extLst>
+              <a:ext uri="{FF2B5EF4-FFF2-40B4-BE49-F238E27FC236}">
+                <a16:creationId xmlns:a16="http://schemas.microsoft.com/office/drawing/2014/main" id="{A3F802FE-D873-4E3F-B1C0-CC23697731A9}"/>
+              </a:ext>
+            </a:extLst>
+          </p:cNvPr>
+          <p:cNvCxnSpPr>
+            <a:stCxn id="7" idx="4"/>
+            <a:endCxn id="8" idx="1"/>
+          </p:cNvCxnSpPr>
+          <p:nvPr/>
+        </p:nvCxnSpPr>
+        <p:spPr>
+          <a:xfrm>
+            <a:off x="1877502" y="2028651"/>
+            <a:ext cx="715862" cy="1"/>
+          </a:xfrm>
+          <a:prstGeom prst="straightConnector1">
+            <a:avLst/>
+          </a:prstGeom>
+          <a:ln>
+            <a:tailEnd type="triangle"/>
+          </a:ln>
+        </p:spPr>
+        <p:style>
+          <a:lnRef idx="3">
+            <a:schemeClr val="accent1"/>
+          </a:lnRef>
+          <a:fillRef idx="0">
+            <a:schemeClr val="accent1"/>
+          </a:fillRef>
+          <a:effectRef idx="2">
+            <a:schemeClr val="accent1"/>
+          </a:effectRef>
+          <a:fontRef idx="minor">
+            <a:schemeClr val="tx1"/>
+          </a:fontRef>
+        </p:style>
+      </p:cxnSp>
+      <p:cxnSp>
+        <p:nvCxnSpPr>
+          <p:cNvPr id="14" name="Straight Arrow Connector 13">
+            <a:extLst>
+              <a:ext uri="{FF2B5EF4-FFF2-40B4-BE49-F238E27FC236}">
+                <a16:creationId xmlns:a16="http://schemas.microsoft.com/office/drawing/2014/main" id="{A3AE4443-3811-486C-9B8D-160355D96F68}"/>
+              </a:ext>
+            </a:extLst>
+          </p:cNvPr>
+          <p:cNvCxnSpPr/>
+          <p:nvPr/>
+        </p:nvCxnSpPr>
+        <p:spPr>
+          <a:xfrm>
+            <a:off x="4657056" y="2006978"/>
+            <a:ext cx="715862" cy="1"/>
+          </a:xfrm>
+          <a:prstGeom prst="straightConnector1">
+            <a:avLst/>
+          </a:prstGeom>
+          <a:ln>
+            <a:tailEnd type="triangle"/>
+          </a:ln>
+        </p:spPr>
+        <p:style>
+          <a:lnRef idx="3">
+            <a:schemeClr val="accent1"/>
+          </a:lnRef>
+          <a:fillRef idx="0">
+            <a:schemeClr val="accent1"/>
+          </a:fillRef>
+          <a:effectRef idx="2">
+            <a:schemeClr val="accent1"/>
+          </a:effectRef>
+          <a:fontRef idx="minor">
+            <a:schemeClr val="tx1"/>
+          </a:fontRef>
+        </p:style>
+      </p:cxnSp>
+      <p:cxnSp>
+        <p:nvCxnSpPr>
+          <p:cNvPr id="15" name="Straight Arrow Connector 14">
+            <a:extLst>
+              <a:ext uri="{FF2B5EF4-FFF2-40B4-BE49-F238E27FC236}">
+                <a16:creationId xmlns:a16="http://schemas.microsoft.com/office/drawing/2014/main" id="{16C1309F-A5D9-4624-A391-E148A3BC6ACF}"/>
+              </a:ext>
+            </a:extLst>
+          </p:cNvPr>
+          <p:cNvCxnSpPr/>
+          <p:nvPr/>
+        </p:nvCxnSpPr>
+        <p:spPr>
+          <a:xfrm>
+            <a:off x="7436610" y="2006977"/>
+            <a:ext cx="715862" cy="1"/>
+          </a:xfrm>
+          <a:prstGeom prst="straightConnector1">
+            <a:avLst/>
+          </a:prstGeom>
+          <a:ln>
+            <a:tailEnd type="triangle"/>
+          </a:ln>
+        </p:spPr>
+        <p:style>
+          <a:lnRef idx="3">
+            <a:schemeClr val="accent1"/>
+          </a:lnRef>
+          <a:fillRef idx="0">
+            <a:schemeClr val="accent1"/>
+          </a:fillRef>
+          <a:effectRef idx="2">
+            <a:schemeClr val="accent1"/>
+          </a:effectRef>
+          <a:fontRef idx="minor">
+            <a:schemeClr val="tx1"/>
+          </a:fontRef>
+        </p:style>
+      </p:cxnSp>
+      <p:cxnSp>
+        <p:nvCxnSpPr>
+          <p:cNvPr id="16" name="Connector: Elbow 15">
+            <a:extLst>
+              <a:ext uri="{FF2B5EF4-FFF2-40B4-BE49-F238E27FC236}">
+                <a16:creationId xmlns:a16="http://schemas.microsoft.com/office/drawing/2014/main" id="{C33FB923-2756-4E9E-8301-DD907C6E591D}"/>
+              </a:ext>
+            </a:extLst>
+          </p:cNvPr>
+          <p:cNvCxnSpPr>
+            <a:stCxn id="10" idx="3"/>
+            <a:endCxn id="11" idx="3"/>
+          </p:cNvCxnSpPr>
+          <p:nvPr/>
+        </p:nvCxnSpPr>
+        <p:spPr>
+          <a:xfrm flipH="1">
+            <a:off x="9500302" y="2006980"/>
+            <a:ext cx="715862" cy="1544261"/>
+          </a:xfrm>
+          <a:prstGeom prst="bentConnector3">
+            <a:avLst>
+              <a:gd name="adj1" fmla="val -31934"/>
+            </a:avLst>
+          </a:prstGeom>
+          <a:ln>
+            <a:tailEnd type="triangle"/>
+          </a:ln>
+        </p:spPr>
+        <p:style>
+          <a:lnRef idx="3">
+            <a:schemeClr val="accent1"/>
+          </a:lnRef>
+          <a:fillRef idx="0">
+            <a:schemeClr val="accent1"/>
+          </a:fillRef>
+          <a:effectRef idx="2">
+            <a:schemeClr val="accent1"/>
+          </a:effectRef>
+          <a:fontRef idx="minor">
+            <a:schemeClr val="tx1"/>
+          </a:fontRef>
+        </p:style>
+      </p:cxnSp>
+      <p:cxnSp>
+        <p:nvCxnSpPr>
+          <p:cNvPr id="17" name="Straight Arrow Connector 16">
+            <a:extLst>
+              <a:ext uri="{FF2B5EF4-FFF2-40B4-BE49-F238E27FC236}">
+                <a16:creationId xmlns:a16="http://schemas.microsoft.com/office/drawing/2014/main" id="{EA81B820-090E-4CAE-A0E8-B78CB29FDF74}"/>
+              </a:ext>
+            </a:extLst>
+          </p:cNvPr>
+          <p:cNvCxnSpPr>
+            <a:stCxn id="11" idx="1"/>
+            <a:endCxn id="12" idx="3"/>
+          </p:cNvCxnSpPr>
+          <p:nvPr/>
+        </p:nvCxnSpPr>
+        <p:spPr>
+          <a:xfrm flipH="1">
+            <a:off x="6720748" y="3551241"/>
+            <a:ext cx="715862" cy="0"/>
+          </a:xfrm>
+          <a:prstGeom prst="straightConnector1">
+            <a:avLst/>
+          </a:prstGeom>
+          <a:ln>
+            <a:tailEnd type="triangle"/>
+          </a:ln>
+        </p:spPr>
+        <p:style>
+          <a:lnRef idx="3">
+            <a:schemeClr val="accent1"/>
+          </a:lnRef>
+          <a:fillRef idx="0">
+            <a:schemeClr val="accent1"/>
+          </a:fillRef>
+          <a:effectRef idx="2">
+            <a:schemeClr val="accent1"/>
+          </a:effectRef>
+          <a:fontRef idx="minor">
+            <a:schemeClr val="tx1"/>
+          </a:fontRef>
+        </p:style>
+      </p:cxnSp>
+      <p:sp>
+        <p:nvSpPr>
+          <p:cNvPr id="18" name="TextBox 17">
+            <a:extLst>
+              <a:ext uri="{FF2B5EF4-FFF2-40B4-BE49-F238E27FC236}">
+                <a16:creationId xmlns:a16="http://schemas.microsoft.com/office/drawing/2014/main" id="{B9303A1A-D4F1-4873-8133-30FAA8ED8C91}"/>
+              </a:ext>
+            </a:extLst>
+          </p:cNvPr>
+          <p:cNvSpPr txBox="1"/>
+          <p:nvPr/>
+        </p:nvSpPr>
+        <p:spPr>
+          <a:xfrm>
+            <a:off x="4616510" y="1724814"/>
+            <a:ext cx="796954" cy="230832"/>
+          </a:xfrm>
+          <a:prstGeom prst="rect">
+            <a:avLst/>
+          </a:prstGeom>
+          <a:noFill/>
+        </p:spPr>
+        <p:txBody>
+          <a:bodyPr wrap="square" rtlCol="0">
+            <a:spAutoFit/>
+          </a:bodyPr>
+          <a:lstStyle/>
+          <a:p>
+            <a:r>
+              <a:rPr lang="en-US" sz="900" b="1" dirty="0"/>
+              <a:t>VECTORS</a:t>
+            </a:r>
+          </a:p>
+        </p:txBody>
+      </p:sp>
+      <p:pic>
+        <p:nvPicPr>
+          <p:cNvPr id="19" name="Picture 18" descr="A close up of a sign&#10;&#10;Description generated with high confidence">
+            <a:extLst>
+              <a:ext uri="{FF2B5EF4-FFF2-40B4-BE49-F238E27FC236}">
+                <a16:creationId xmlns:a16="http://schemas.microsoft.com/office/drawing/2014/main" id="{11198D63-1F78-4118-B421-8C44C6C10C33}"/>
+              </a:ext>
+            </a:extLst>
+          </p:cNvPr>
+          <p:cNvPicPr>
+            <a:picLocks noChangeAspect="1"/>
+          </p:cNvPicPr>
+          <p:nvPr/>
+        </p:nvPicPr>
+        <p:blipFill>
+          <a:blip r:embed="rId2"/>
+          <a:stretch>
+            <a:fillRect/>
+          </a:stretch>
+        </p:blipFill>
+        <p:spPr>
+          <a:xfrm>
+            <a:off x="9500302" y="1955646"/>
+            <a:ext cx="677333" cy="381000"/>
+          </a:xfrm>
+          <a:prstGeom prst="rect">
+            <a:avLst/>
+          </a:prstGeom>
+        </p:spPr>
+      </p:pic>
+    </p:spTree>
+    <p:extLst>
+      <p:ext uri="{BB962C8B-B14F-4D97-AF65-F5344CB8AC3E}">
+        <p14:creationId xmlns:p14="http://schemas.microsoft.com/office/powerpoint/2010/main" val="4181068687"/>
+      </p:ext>
+    </p:extLst>
+  </p:cSld>
+  <p:clrMapOvr>
+    <a:masterClrMapping/>
+  </p:clrMapOvr>
+</p:sld>
+</file>
+
+<file path=ppt/slides/slide5.xml><?xml version="1.0" encoding="utf-8"?>
+<p:sld xmlns:a="http://schemas.openxmlformats.org/drawingml/2006/main" xmlns:r="http://schemas.openxmlformats.org/officeDocument/2006/relationships" xmlns:p="http://schemas.openxmlformats.org/presentationml/2006/main">
+  <p:cSld>
+    <p:spTree>
+      <p:nvGrpSpPr>
+        <p:cNvPr id="1" name=""/>
+        <p:cNvGrpSpPr/>
+        <p:nvPr/>
+      </p:nvGrpSpPr>
+      <p:grpSpPr>
+        <a:xfrm>
+          <a:off x="0" y="0"/>
+          <a:ext cx="0" cy="0"/>
+          <a:chOff x="0" y="0"/>
+          <a:chExt cx="0" cy="0"/>
+        </a:xfrm>
+      </p:grpSpPr>
+      <p:sp>
+        <p:nvSpPr>
+          <p:cNvPr id="2" name="Title 1">
+            <a:extLst>
+              <a:ext uri="{FF2B5EF4-FFF2-40B4-BE49-F238E27FC236}">
+                <a16:creationId xmlns:a16="http://schemas.microsoft.com/office/drawing/2014/main" id="{9FCE45BF-1A83-41B8-B3B7-D6E4B03BFFD1}"/>
+              </a:ext>
+            </a:extLst>
+          </p:cNvPr>
+          <p:cNvSpPr>
+            <a:spLocks noGrp="1"/>
+          </p:cNvSpPr>
+          <p:nvPr>
+            <p:ph type="title"/>
+          </p:nvPr>
+        </p:nvSpPr>
+        <p:spPr>
+          <a:xfrm>
+            <a:off x="581192" y="5262295"/>
+            <a:ext cx="11095499" cy="941151"/>
+          </a:xfrm>
+        </p:spPr>
+        <p:txBody>
+          <a:bodyPr>
+            <a:normAutofit/>
+          </a:bodyPr>
+          <a:lstStyle/>
+          <a:p>
+            <a:r>
+              <a:rPr lang="en-US" sz="3200" dirty="0">
+                <a:solidFill>
+                  <a:schemeClr val="bg1"/>
+                </a:solidFill>
+              </a:rPr>
+              <a:t>Data pre-processing</a:t>
+            </a:r>
+          </a:p>
+        </p:txBody>
+      </p:sp>
+      <p:graphicFrame>
+        <p:nvGraphicFramePr>
+          <p:cNvPr id="7" name="Diagram 6">
+            <a:extLst>
+              <a:ext uri="{FF2B5EF4-FFF2-40B4-BE49-F238E27FC236}">
+                <a16:creationId xmlns:a16="http://schemas.microsoft.com/office/drawing/2014/main" id="{BF194382-D45B-4621-8F28-8B63FB607422}"/>
+              </a:ext>
+            </a:extLst>
+          </p:cNvPr>
+          <p:cNvGraphicFramePr/>
+          <p:nvPr>
+            <p:extLst>
+              <p:ext uri="{D42A27DB-BD31-4B8C-83A1-F6EECF244321}">
+                <p14:modId xmlns:p14="http://schemas.microsoft.com/office/powerpoint/2010/main" val="3222275415"/>
+              </p:ext>
+            </p:extLst>
+          </p:nvPr>
+        </p:nvGraphicFramePr>
+        <p:xfrm>
+          <a:off x="-177101" y="813732"/>
+          <a:ext cx="6273101" cy="4085438"/>
+        </p:xfrm>
+        <a:graphic>
+          <a:graphicData uri="http://schemas.openxmlformats.org/drawingml/2006/diagram">
+            <dgm:relIds xmlns:dgm="http://schemas.openxmlformats.org/drawingml/2006/diagram" xmlns:r="http://schemas.openxmlformats.org/officeDocument/2006/relationships" r:dm="rId2" r:lo="rId3" r:qs="rId4" r:cs="rId5"/>
+          </a:graphicData>
+        </a:graphic>
+      </p:graphicFrame>
+      <p:graphicFrame>
+        <p:nvGraphicFramePr>
+          <p:cNvPr id="13" name="Diagram 12">
+            <a:extLst>
+              <a:ext uri="{FF2B5EF4-FFF2-40B4-BE49-F238E27FC236}">
+                <a16:creationId xmlns:a16="http://schemas.microsoft.com/office/drawing/2014/main" id="{3BCC3D66-6D79-4CDB-89C8-ABB0B0AC5E2E}"/>
+              </a:ext>
+            </a:extLst>
+          </p:cNvPr>
+          <p:cNvGraphicFramePr/>
+          <p:nvPr>
+            <p:extLst>
+              <p:ext uri="{D42A27DB-BD31-4B8C-83A1-F6EECF244321}">
+                <p14:modId xmlns:p14="http://schemas.microsoft.com/office/powerpoint/2010/main" val="3394864135"/>
+              </p:ext>
+            </p:extLst>
+          </p:nvPr>
+        </p:nvGraphicFramePr>
+        <p:xfrm>
+          <a:off x="3936303" y="2782226"/>
+          <a:ext cx="5887206" cy="1759280"/>
+        </p:xfrm>
+        <a:graphic>
+          <a:graphicData uri="http://schemas.openxmlformats.org/drawingml/2006/diagram">
+            <dgm:relIds xmlns:dgm="http://schemas.openxmlformats.org/drawingml/2006/diagram" xmlns:r="http://schemas.openxmlformats.org/officeDocument/2006/relationships" r:dm="rId7" r:lo="rId8" r:qs="rId9" r:cs="rId10"/>
+          </a:graphicData>
+        </a:graphic>
+      </p:graphicFrame>
+      <p:graphicFrame>
+        <p:nvGraphicFramePr>
+          <p:cNvPr id="14" name="Diagram 13">
+            <a:extLst>
+              <a:ext uri="{FF2B5EF4-FFF2-40B4-BE49-F238E27FC236}">
+                <a16:creationId xmlns:a16="http://schemas.microsoft.com/office/drawing/2014/main" id="{A9C2BFAD-2AEA-4015-9BE7-13DD10EC25C1}"/>
+              </a:ext>
+            </a:extLst>
+          </p:cNvPr>
+          <p:cNvGraphicFramePr/>
+          <p:nvPr>
+            <p:extLst>
+              <p:ext uri="{D42A27DB-BD31-4B8C-83A1-F6EECF244321}">
+                <p14:modId xmlns:p14="http://schemas.microsoft.com/office/powerpoint/2010/main" val="367889988"/>
+              </p:ext>
+            </p:extLst>
+          </p:nvPr>
+        </p:nvGraphicFramePr>
+        <p:xfrm>
+          <a:off x="9949345" y="1937857"/>
+          <a:ext cx="1863285" cy="2254229"/>
+        </p:xfrm>
+        <a:graphic>
+          <a:graphicData uri="http://schemas.openxmlformats.org/drawingml/2006/diagram">
+            <dgm:relIds xmlns:dgm="http://schemas.openxmlformats.org/drawingml/2006/diagram" xmlns:r="http://schemas.openxmlformats.org/officeDocument/2006/relationships" r:dm="rId12" r:lo="rId13" r:qs="rId14" r:cs="rId15"/>
+          </a:graphicData>
+        </a:graphic>
+      </p:graphicFrame>
+    </p:spTree>
+    <p:extLst>
+      <p:ext uri="{BB962C8B-B14F-4D97-AF65-F5344CB8AC3E}">
+        <p14:creationId xmlns:p14="http://schemas.microsoft.com/office/powerpoint/2010/main" val="3837792448"/>
+      </p:ext>
+    </p:extLst>
+  </p:cSld>
+  <p:clrMapOvr>
+    <a:masterClrMapping/>
+  </p:clrMapOvr>
+</p:sld>
+</file>
+
+<file path=ppt/slides/slide6.xml><?xml version="1.0" encoding="utf-8"?>
+<p:sld xmlns:a="http://schemas.openxmlformats.org/drawingml/2006/main" xmlns:r="http://schemas.openxmlformats.org/officeDocument/2006/relationships" xmlns:p="http://schemas.openxmlformats.org/presentationml/2006/main">
+  <p:cSld>
+    <p:spTree>
+      <p:nvGrpSpPr>
+        <p:cNvPr id="1" name=""/>
+        <p:cNvGrpSpPr/>
+        <p:nvPr/>
+      </p:nvGrpSpPr>
+      <p:grpSpPr>
+        <a:xfrm>
+          <a:off x="0" y="0"/>
+          <a:ext cx="0" cy="0"/>
+          <a:chOff x="0" y="0"/>
+          <a:chExt cx="0" cy="0"/>
+        </a:xfrm>
+      </p:grpSpPr>
+      <p:sp>
+        <p:nvSpPr>
+          <p:cNvPr id="2" name="Title 1">
+            <a:extLst>
+              <a:ext uri="{FF2B5EF4-FFF2-40B4-BE49-F238E27FC236}">
+                <a16:creationId xmlns:a16="http://schemas.microsoft.com/office/drawing/2014/main" id="{6696018B-F188-437E-B58C-D3C2250F1A0F}"/>
+              </a:ext>
+            </a:extLst>
+          </p:cNvPr>
+          <p:cNvSpPr>
+            <a:spLocks noGrp="1"/>
+          </p:cNvSpPr>
+          <p:nvPr>
+            <p:ph type="title"/>
+          </p:nvPr>
+        </p:nvSpPr>
+        <p:spPr/>
+        <p:txBody>
+          <a:bodyPr/>
+          <a:lstStyle/>
+          <a:p>
+            <a:r>
+              <a:rPr lang="en-US" dirty="0">
+                <a:solidFill>
+                  <a:schemeClr val="bg1"/>
+                </a:solidFill>
+              </a:rPr>
+              <a:t>Sequence to Sequence </a:t>
+            </a:r>
+            <a:r>
+              <a:rPr lang="en-US" sz="3200" dirty="0">
+                <a:solidFill>
+                  <a:schemeClr val="bg1"/>
+                </a:solidFill>
+              </a:rPr>
+              <a:t>Seq2Seq</a:t>
+            </a:r>
+          </a:p>
+        </p:txBody>
+      </p:sp>
+      <p:pic>
+        <p:nvPicPr>
+          <p:cNvPr id="2050" name="Picture 2" descr="https://cdn-images-1.medium.com/max/2000/1*yG2htcHJF9h0sohcZbBEkg.png">
+            <a:extLst>
+              <a:ext uri="{FF2B5EF4-FFF2-40B4-BE49-F238E27FC236}">
+                <a16:creationId xmlns:a16="http://schemas.microsoft.com/office/drawing/2014/main" id="{B8B7808D-16D5-43B3-BFAC-FD6222C19AA6}"/>
+              </a:ext>
+            </a:extLst>
+          </p:cNvPr>
+          <p:cNvPicPr>
+            <a:picLocks noGrp="1" noChangeAspect="1" noChangeArrowheads="1"/>
+          </p:cNvPicPr>
+          <p:nvPr>
+            <p:ph idx="1"/>
+          </p:nvPr>
+        </p:nvPicPr>
+        <p:blipFill>
+          <a:blip r:embed="rId2">
+            <a:extLst>
+              <a:ext uri="{28A0092B-C50C-407E-A947-70E740481C1C}">
+                <a14:useLocalDpi xmlns:a14="http://schemas.microsoft.com/office/drawing/2010/main" val="0"/>
+              </a:ext>
+            </a:extLst>
+          </a:blip>
+          <a:srcRect/>
+          <a:stretch>
+            <a:fillRect/>
+          </a:stretch>
+        </p:blipFill>
+        <p:spPr bwMode="auto">
+          <a:xfrm>
+            <a:off x="820008" y="601663"/>
+            <a:ext cx="10548808" cy="4203700"/>
+          </a:xfrm>
+          <a:prstGeom prst="rect">
+            <a:avLst/>
+          </a:prstGeom>
+          <a:noFill/>
+          <a:extLst>
+            <a:ext uri="{909E8E84-426E-40DD-AFC4-6F175D3DCCD1}">
+              <a14:hiddenFill xmlns:a14="http://schemas.microsoft.com/office/drawing/2010/main">
+                <a:solidFill>
+                  <a:srgbClr val="FFFFFF"/>
+                </a:solidFill>
+              </a14:hiddenFill>
+            </a:ext>
+          </a:extLst>
+        </p:spPr>
+      </p:pic>
+    </p:spTree>
+    <p:extLst>
+      <p:ext uri="{BB962C8B-B14F-4D97-AF65-F5344CB8AC3E}">
+        <p14:creationId xmlns:p14="http://schemas.microsoft.com/office/powerpoint/2010/main" val="3757255019"/>
+      </p:ext>
+    </p:extLst>
+  </p:cSld>
+  <p:clrMapOvr>
+    <a:masterClrMapping/>
+  </p:clrMapOvr>
+</p:sld>
+</file>
+
+<file path=ppt/slides/slide7.xml><?xml version="1.0" encoding="utf-8"?>
+<p:sld xmlns:a="http://schemas.openxmlformats.org/drawingml/2006/main" xmlns:r="http://schemas.openxmlformats.org/officeDocument/2006/relationships" xmlns:p="http://schemas.openxmlformats.org/presentationml/2006/main">
+  <p:cSld>
+    <p:spTree>
+      <p:nvGrpSpPr>
+        <p:cNvPr id="1" name=""/>
+        <p:cNvGrpSpPr/>
+        <p:nvPr/>
+      </p:nvGrpSpPr>
+      <p:grpSpPr>
+        <a:xfrm>
+          <a:off x="0" y="0"/>
+          <a:ext cx="0" cy="0"/>
+          <a:chOff x="0" y="0"/>
+          <a:chExt cx="0" cy="0"/>
+        </a:xfrm>
+      </p:grpSpPr>
+      <p:pic>
+        <p:nvPicPr>
+          <p:cNvPr id="21" name="Picture 20">
+            <a:extLst>
+              <a:ext uri="{FF2B5EF4-FFF2-40B4-BE49-F238E27FC236}">
+                <a16:creationId xmlns:a16="http://schemas.microsoft.com/office/drawing/2014/main" id="{9B12BD64-45AC-44AC-AA8A-272743EA8CAC}"/>
+              </a:ext>
+            </a:extLst>
+          </p:cNvPr>
+          <p:cNvPicPr>
+            <a:picLocks noChangeAspect="1"/>
+          </p:cNvPicPr>
+          <p:nvPr/>
+        </p:nvPicPr>
+        <p:blipFill>
+          <a:blip r:embed="rId2"/>
+          <a:stretch>
+            <a:fillRect/>
+          </a:stretch>
+        </p:blipFill>
+        <p:spPr>
+          <a:xfrm>
+            <a:off x="0" y="613093"/>
+            <a:ext cx="5038725" cy="4210050"/>
+          </a:xfrm>
+          <a:prstGeom prst="rect">
+            <a:avLst/>
+          </a:prstGeom>
+        </p:spPr>
+      </p:pic>
+      <p:sp>
+        <p:nvSpPr>
+          <p:cNvPr id="2" name="Title 1">
+            <a:extLst>
+              <a:ext uri="{FF2B5EF4-FFF2-40B4-BE49-F238E27FC236}">
+                <a16:creationId xmlns:a16="http://schemas.microsoft.com/office/drawing/2014/main" id="{54C71C59-2F0D-4596-AAE8-38E0A57F7735}"/>
+              </a:ext>
+            </a:extLst>
+          </p:cNvPr>
+          <p:cNvSpPr>
+            <a:spLocks noGrp="1"/>
+          </p:cNvSpPr>
+          <p:nvPr>
+            <p:ph type="title"/>
+          </p:nvPr>
+        </p:nvSpPr>
+        <p:spPr/>
+        <p:txBody>
+          <a:bodyPr>
+            <a:normAutofit/>
+          </a:bodyPr>
+          <a:lstStyle/>
+          <a:p>
+            <a:r>
+              <a:rPr lang="en-US" sz="3200" dirty="0">
+                <a:solidFill>
+                  <a:schemeClr val="bg1"/>
+                </a:solidFill>
+              </a:rPr>
+              <a:t>LSTM Architecture</a:t>
+            </a:r>
+          </a:p>
+        </p:txBody>
+      </p:sp>
+      <p:sp>
+        <p:nvSpPr>
+          <p:cNvPr id="4" name="Text Placeholder 3">
+            <a:extLst>
+              <a:ext uri="{FF2B5EF4-FFF2-40B4-BE49-F238E27FC236}">
+                <a16:creationId xmlns:a16="http://schemas.microsoft.com/office/drawing/2014/main" id="{416676A8-2FDC-46A2-8069-A0DE479090B8}"/>
+              </a:ext>
+            </a:extLst>
+          </p:cNvPr>
+          <p:cNvSpPr>
+            <a:spLocks noGrp="1"/>
+          </p:cNvSpPr>
+          <p:nvPr>
+            <p:ph type="body" sz="half" idx="2"/>
+          </p:nvPr>
+        </p:nvSpPr>
+        <p:spPr/>
+        <p:txBody>
+          <a:bodyPr/>
+          <a:lstStyle/>
+          <a:p>
+            <a:endParaRPr lang="en-US"/>
+          </a:p>
+        </p:txBody>
+      </p:sp>
+      <p:pic>
+        <p:nvPicPr>
+          <p:cNvPr id="3074" name="Picture 2" descr="Related image">
+            <a:extLst>
+              <a:ext uri="{FF2B5EF4-FFF2-40B4-BE49-F238E27FC236}">
+                <a16:creationId xmlns:a16="http://schemas.microsoft.com/office/drawing/2014/main" id="{3F677D61-FB80-455A-8DFE-FFCA080B0408}"/>
+              </a:ext>
+            </a:extLst>
+          </p:cNvPr>
+          <p:cNvPicPr>
+            <a:picLocks noGrp="1" noChangeAspect="1" noChangeArrowheads="1"/>
+          </p:cNvPicPr>
+          <p:nvPr>
+            <p:ph idx="1"/>
+          </p:nvPr>
+        </p:nvPicPr>
+        <p:blipFill rotWithShape="1">
+          <a:blip r:embed="rId3">
+            <a:extLst>
+              <a:ext uri="{28A0092B-C50C-407E-A947-70E740481C1C}">
+                <a14:useLocalDpi xmlns:a14="http://schemas.microsoft.com/office/drawing/2010/main" val="0"/>
+              </a:ext>
+            </a:extLst>
+          </a:blip>
+          <a:srcRect r="30106"/>
+          <a:stretch/>
+        </p:blipFill>
+        <p:spPr bwMode="auto">
+          <a:xfrm>
+            <a:off x="5029200" y="613093"/>
+            <a:ext cx="5280660" cy="4203700"/>
+          </a:xfrm>
+          <a:prstGeom prst="rect">
+            <a:avLst/>
+          </a:prstGeom>
+          <a:noFill/>
+          <a:extLst>
+            <a:ext uri="{909E8E84-426E-40DD-AFC4-6F175D3DCCD1}">
+              <a14:hiddenFill xmlns:a14="http://schemas.microsoft.com/office/drawing/2010/main">
+                <a:solidFill>
+                  <a:srgbClr val="FFFFFF"/>
+                </a:solidFill>
+              </a14:hiddenFill>
+            </a:ext>
+          </a:extLst>
+        </p:spPr>
+      </p:pic>
+      <p:sp>
+        <p:nvSpPr>
+          <p:cNvPr id="6" name="Rectangle: Rounded Corners 5">
+            <a:extLst>
+              <a:ext uri="{FF2B5EF4-FFF2-40B4-BE49-F238E27FC236}">
+                <a16:creationId xmlns:a16="http://schemas.microsoft.com/office/drawing/2014/main" id="{53058C4C-9059-460C-B705-CE30B32BCD05}"/>
+              </a:ext>
+            </a:extLst>
+          </p:cNvPr>
+          <p:cNvSpPr/>
+          <p:nvPr/>
+        </p:nvSpPr>
+        <p:spPr>
+          <a:xfrm>
+            <a:off x="6172200" y="2023110"/>
+            <a:ext cx="628650" cy="1554480"/>
+          </a:xfrm>
+          <a:prstGeom prst="roundRect">
+            <a:avLst/>
+          </a:prstGeom>
+          <a:noFill/>
+          <a:ln w="38100">
+            <a:solidFill>
+              <a:schemeClr val="accent6"/>
+            </a:solidFill>
+            <a:prstDash val="sysDash"/>
+          </a:ln>
+        </p:spPr>
+        <p:style>
+          <a:lnRef idx="2">
+            <a:schemeClr val="accent1"/>
+          </a:lnRef>
+          <a:fillRef idx="1">
+            <a:schemeClr val="lt1"/>
+          </a:fillRef>
+          <a:effectRef idx="0">
+            <a:schemeClr val="accent1"/>
+          </a:effectRef>
+          <a:fontRef idx="minor">
+            <a:schemeClr val="dk1"/>
+          </a:fontRef>
+        </p:style>
+        <p:txBody>
+          <a:bodyPr rtlCol="0" anchor="ctr"/>
+          <a:lstStyle/>
+          <a:p>
+            <a:pPr algn="ctr"/>
+            <a:endParaRPr lang="en-US"/>
+          </a:p>
+        </p:txBody>
+      </p:sp>
+      <p:sp>
+        <p:nvSpPr>
+          <p:cNvPr id="8" name="Rectangle: Rounded Corners 7">
+            <a:extLst>
+              <a:ext uri="{FF2B5EF4-FFF2-40B4-BE49-F238E27FC236}">
+                <a16:creationId xmlns:a16="http://schemas.microsoft.com/office/drawing/2014/main" id="{4F933D53-D3DF-4FB4-800F-01833E729006}"/>
+              </a:ext>
+            </a:extLst>
+          </p:cNvPr>
+          <p:cNvSpPr/>
+          <p:nvPr/>
+        </p:nvSpPr>
+        <p:spPr>
+          <a:xfrm>
+            <a:off x="6873240" y="2023110"/>
+            <a:ext cx="1173480" cy="1554480"/>
+          </a:xfrm>
+          <a:prstGeom prst="roundRect">
+            <a:avLst/>
+          </a:prstGeom>
+          <a:noFill/>
+          <a:ln w="38100">
+            <a:solidFill>
+              <a:srgbClr val="FFC000"/>
+            </a:solidFill>
+            <a:prstDash val="sysDash"/>
+          </a:ln>
+        </p:spPr>
+        <p:style>
+          <a:lnRef idx="2">
+            <a:schemeClr val="accent1"/>
+          </a:lnRef>
+          <a:fillRef idx="1">
+            <a:schemeClr val="lt1"/>
+          </a:fillRef>
+          <a:effectRef idx="0">
+            <a:schemeClr val="accent1"/>
+          </a:effectRef>
+          <a:fontRef idx="minor">
+            <a:schemeClr val="dk1"/>
+          </a:fontRef>
+        </p:style>
+        <p:txBody>
+          <a:bodyPr rtlCol="0" anchor="ctr"/>
+          <a:lstStyle/>
+          <a:p>
+            <a:pPr algn="ctr"/>
+            <a:endParaRPr lang="en-US"/>
+          </a:p>
+        </p:txBody>
+      </p:sp>
+      <p:sp>
+        <p:nvSpPr>
+          <p:cNvPr id="9" name="Rectangle: Rounded Corners 8">
+            <a:extLst>
+              <a:ext uri="{FF2B5EF4-FFF2-40B4-BE49-F238E27FC236}">
+                <a16:creationId xmlns:a16="http://schemas.microsoft.com/office/drawing/2014/main" id="{B3520127-EBB6-427E-A7FF-A7604829A06D}"/>
+              </a:ext>
+            </a:extLst>
+          </p:cNvPr>
+          <p:cNvSpPr/>
+          <p:nvPr/>
+        </p:nvSpPr>
+        <p:spPr>
+          <a:xfrm>
+            <a:off x="8119110" y="2023110"/>
+            <a:ext cx="1375412" cy="1554480"/>
+          </a:xfrm>
+          <a:prstGeom prst="roundRect">
+            <a:avLst/>
+          </a:prstGeom>
+          <a:noFill/>
+          <a:ln w="38100">
+            <a:solidFill>
+              <a:schemeClr val="accent3">
+                <a:lumMod val="75000"/>
+              </a:schemeClr>
+            </a:solidFill>
+            <a:prstDash val="sysDash"/>
+          </a:ln>
+        </p:spPr>
+        <p:style>
+          <a:lnRef idx="2">
+            <a:schemeClr val="accent1"/>
+          </a:lnRef>
+          <a:fillRef idx="1">
+            <a:schemeClr val="lt1"/>
+          </a:fillRef>
+          <a:effectRef idx="0">
+            <a:schemeClr val="accent1"/>
+          </a:effectRef>
+          <a:fontRef idx="minor">
+            <a:schemeClr val="dk1"/>
+          </a:fontRef>
+        </p:style>
+        <p:txBody>
+          <a:bodyPr rtlCol="0" anchor="ctr"/>
+          <a:lstStyle/>
+          <a:p>
+            <a:pPr algn="ctr"/>
+            <a:endParaRPr lang="en-US"/>
+          </a:p>
+        </p:txBody>
+      </p:sp>
+      <p:cxnSp>
+        <p:nvCxnSpPr>
+          <p:cNvPr id="10" name="Straight Arrow Connector 9">
+            <a:extLst>
+              <a:ext uri="{FF2B5EF4-FFF2-40B4-BE49-F238E27FC236}">
+                <a16:creationId xmlns:a16="http://schemas.microsoft.com/office/drawing/2014/main" id="{760E23A5-1834-4F5F-907E-FEF284BFD29A}"/>
+              </a:ext>
+            </a:extLst>
+          </p:cNvPr>
+          <p:cNvCxnSpPr/>
+          <p:nvPr/>
+        </p:nvCxnSpPr>
+        <p:spPr>
+          <a:xfrm>
+            <a:off x="5623560" y="1223010"/>
+            <a:ext cx="662940" cy="697230"/>
+          </a:xfrm>
+          <a:prstGeom prst="straightConnector1">
+            <a:avLst/>
+          </a:prstGeom>
+          <a:ln>
+            <a:tailEnd type="triangle"/>
+          </a:ln>
+        </p:spPr>
+        <p:style>
+          <a:lnRef idx="1">
+            <a:schemeClr val="accent1"/>
+          </a:lnRef>
+          <a:fillRef idx="0">
+            <a:schemeClr val="accent1"/>
+          </a:fillRef>
+          <a:effectRef idx="0">
+            <a:schemeClr val="accent1"/>
+          </a:effectRef>
+          <a:fontRef idx="minor">
+            <a:schemeClr val="tx1"/>
+          </a:fontRef>
+        </p:style>
+      </p:cxnSp>
+      <p:cxnSp>
+        <p:nvCxnSpPr>
+          <p:cNvPr id="12" name="Straight Arrow Connector 11">
+            <a:extLst>
+              <a:ext uri="{FF2B5EF4-FFF2-40B4-BE49-F238E27FC236}">
+                <a16:creationId xmlns:a16="http://schemas.microsoft.com/office/drawing/2014/main" id="{2BC1A55F-BDD5-4073-AADC-09AD3B4B803F}"/>
+              </a:ext>
+            </a:extLst>
+          </p:cNvPr>
+          <p:cNvCxnSpPr/>
+          <p:nvPr/>
+        </p:nvCxnSpPr>
+        <p:spPr>
+          <a:xfrm>
+            <a:off x="6800850" y="1217562"/>
+            <a:ext cx="662940" cy="697230"/>
+          </a:xfrm>
+          <a:prstGeom prst="straightConnector1">
+            <a:avLst/>
+          </a:prstGeom>
+          <a:ln>
+            <a:tailEnd type="triangle"/>
+          </a:ln>
+        </p:spPr>
+        <p:style>
+          <a:lnRef idx="1">
+            <a:schemeClr val="accent1"/>
+          </a:lnRef>
+          <a:fillRef idx="0">
+            <a:schemeClr val="accent1"/>
+          </a:fillRef>
+          <a:effectRef idx="0">
+            <a:schemeClr val="accent1"/>
+          </a:effectRef>
+          <a:fontRef idx="minor">
+            <a:schemeClr val="tx1"/>
+          </a:fontRef>
+        </p:style>
+      </p:cxnSp>
+      <p:cxnSp>
+        <p:nvCxnSpPr>
+          <p:cNvPr id="13" name="Straight Arrow Connector 12">
+            <a:extLst>
+              <a:ext uri="{FF2B5EF4-FFF2-40B4-BE49-F238E27FC236}">
+                <a16:creationId xmlns:a16="http://schemas.microsoft.com/office/drawing/2014/main" id="{967BC874-C213-4C41-AD05-FAEC1AC49DD6}"/>
+              </a:ext>
+            </a:extLst>
+          </p:cNvPr>
+          <p:cNvCxnSpPr/>
+          <p:nvPr/>
+        </p:nvCxnSpPr>
+        <p:spPr>
+          <a:xfrm>
+            <a:off x="8060054" y="1217562"/>
+            <a:ext cx="662940" cy="697230"/>
+          </a:xfrm>
+          <a:prstGeom prst="straightConnector1">
+            <a:avLst/>
+          </a:prstGeom>
+          <a:ln>
+            <a:tailEnd type="triangle"/>
+          </a:ln>
+        </p:spPr>
+        <p:style>
+          <a:lnRef idx="1">
+            <a:schemeClr val="accent1"/>
+          </a:lnRef>
+          <a:fillRef idx="0">
+            <a:schemeClr val="accent1"/>
+          </a:fillRef>
+          <a:effectRef idx="0">
+            <a:schemeClr val="accent1"/>
+          </a:effectRef>
+          <a:fontRef idx="minor">
+            <a:schemeClr val="tx1"/>
+          </a:fontRef>
+        </p:style>
+      </p:cxnSp>
+      <p:sp>
+        <p:nvSpPr>
+          <p:cNvPr id="15" name="TextBox 14">
+            <a:extLst>
+              <a:ext uri="{FF2B5EF4-FFF2-40B4-BE49-F238E27FC236}">
+                <a16:creationId xmlns:a16="http://schemas.microsoft.com/office/drawing/2014/main" id="{25367784-D04A-4B9C-A6BF-251D17244C5E}"/>
+              </a:ext>
+            </a:extLst>
+          </p:cNvPr>
+          <p:cNvSpPr txBox="1"/>
+          <p:nvPr/>
+        </p:nvSpPr>
+        <p:spPr>
+          <a:xfrm>
+            <a:off x="7490317" y="779246"/>
+            <a:ext cx="1258678" cy="369332"/>
+          </a:xfrm>
+          <a:prstGeom prst="rect">
+            <a:avLst/>
+          </a:prstGeom>
+          <a:noFill/>
+        </p:spPr>
+        <p:txBody>
+          <a:bodyPr wrap="none" rtlCol="0">
+            <a:spAutoFit/>
+          </a:bodyPr>
+          <a:lstStyle/>
+          <a:p>
+            <a:r>
+              <a:rPr lang="en-US" dirty="0"/>
+              <a:t>output gate</a:t>
+            </a:r>
+          </a:p>
+        </p:txBody>
+      </p:sp>
+      <p:sp>
+        <p:nvSpPr>
+          <p:cNvPr id="16" name="TextBox 15">
+            <a:extLst>
+              <a:ext uri="{FF2B5EF4-FFF2-40B4-BE49-F238E27FC236}">
+                <a16:creationId xmlns:a16="http://schemas.microsoft.com/office/drawing/2014/main" id="{97340DDB-530E-4BC3-B41D-0DE2B1672F3F}"/>
+              </a:ext>
+            </a:extLst>
+          </p:cNvPr>
+          <p:cNvSpPr txBox="1"/>
+          <p:nvPr/>
+        </p:nvSpPr>
+        <p:spPr>
+          <a:xfrm>
+            <a:off x="6396847" y="1011746"/>
+            <a:ext cx="1112805" cy="369332"/>
+          </a:xfrm>
+          <a:prstGeom prst="rect">
+            <a:avLst/>
+          </a:prstGeom>
+          <a:noFill/>
+        </p:spPr>
+        <p:txBody>
+          <a:bodyPr wrap="none" rtlCol="0">
+            <a:spAutoFit/>
+          </a:bodyPr>
+          <a:lstStyle/>
+          <a:p>
+            <a:r>
+              <a:rPr lang="en-US" dirty="0"/>
+              <a:t>Input gate</a:t>
+            </a:r>
+          </a:p>
+        </p:txBody>
+      </p:sp>
+      <p:sp>
+        <p:nvSpPr>
+          <p:cNvPr id="11" name="TextBox 10">
+            <a:extLst>
+              <a:ext uri="{FF2B5EF4-FFF2-40B4-BE49-F238E27FC236}">
+                <a16:creationId xmlns:a16="http://schemas.microsoft.com/office/drawing/2014/main" id="{6BA865CF-9F6F-4904-A18D-0B3E8B98313C}"/>
+              </a:ext>
+            </a:extLst>
+          </p:cNvPr>
+          <p:cNvSpPr txBox="1"/>
+          <p:nvPr/>
+        </p:nvSpPr>
+        <p:spPr>
+          <a:xfrm>
+            <a:off x="4880318" y="906189"/>
+            <a:ext cx="1314527" cy="369332"/>
+          </a:xfrm>
+          <a:prstGeom prst="rect">
+            <a:avLst/>
+          </a:prstGeom>
+          <a:noFill/>
+        </p:spPr>
+        <p:txBody>
+          <a:bodyPr wrap="none" rtlCol="0">
+            <a:spAutoFit/>
+          </a:bodyPr>
+          <a:lstStyle/>
+          <a:p>
+            <a:r>
+              <a:rPr lang="en-US" dirty="0"/>
+              <a:t>Forget Gate</a:t>
+            </a:r>
+          </a:p>
+        </p:txBody>
+      </p:sp>
+    </p:spTree>
+    <p:extLst>
+      <p:ext uri="{BB962C8B-B14F-4D97-AF65-F5344CB8AC3E}">
+        <p14:creationId xmlns:p14="http://schemas.microsoft.com/office/powerpoint/2010/main" val="196429636"/>
+      </p:ext>
+    </p:extLst>
+  </p:cSld>
+  <p:clrMapOvr>
+    <a:masterClrMapping/>
+  </p:clrMapOvr>
+</p:sld>
+</file>
+
+<file path=ppt/slides/slide8.xml><?xml version="1.0" encoding="utf-8"?>
+<p:sld xmlns:a="http://schemas.openxmlformats.org/drawingml/2006/main" xmlns:r="http://schemas.openxmlformats.org/officeDocument/2006/relationships" xmlns:p="http://schemas.openxmlformats.org/presentationml/2006/main">
+  <p:cSld>
+    <p:spTree>
+      <p:nvGrpSpPr>
+        <p:cNvPr id="1" name=""/>
+        <p:cNvGrpSpPr/>
+        <p:nvPr/>
+      </p:nvGrpSpPr>
+      <p:grpSpPr>
+        <a:xfrm>
+          <a:off x="0" y="0"/>
+          <a:ext cx="0" cy="0"/>
+          <a:chOff x="0" y="0"/>
+          <a:chExt cx="0" cy="0"/>
+        </a:xfrm>
+      </p:grpSpPr>
+      <p:sp>
+        <p:nvSpPr>
+          <p:cNvPr id="2" name="Title 1">
+            <a:extLst>
+              <a:ext uri="{FF2B5EF4-FFF2-40B4-BE49-F238E27FC236}">
+                <a16:creationId xmlns:a16="http://schemas.microsoft.com/office/drawing/2014/main" id="{9FCE45BF-1A83-41B8-B3B7-D6E4B03BFFD1}"/>
+              </a:ext>
+            </a:extLst>
+          </p:cNvPr>
+          <p:cNvSpPr>
+            <a:spLocks noGrp="1"/>
+          </p:cNvSpPr>
+          <p:nvPr>
+            <p:ph type="title"/>
+          </p:nvPr>
+        </p:nvSpPr>
+        <p:spPr>
+          <a:xfrm>
+            <a:off x="581192" y="5262295"/>
+            <a:ext cx="11095499" cy="941151"/>
+          </a:xfrm>
+        </p:spPr>
+        <p:txBody>
+          <a:bodyPr>
+            <a:normAutofit/>
+          </a:bodyPr>
+          <a:lstStyle/>
+          <a:p>
+            <a:r>
+              <a:rPr lang="en-US" sz="3200" dirty="0">
+                <a:solidFill>
+                  <a:schemeClr val="bg1"/>
+                </a:solidFill>
+              </a:rPr>
+              <a:t>How we did it!</a:t>
+            </a:r>
+            <a:br>
+              <a:rPr lang="en-US" sz="3200" dirty="0">
+                <a:solidFill>
+                  <a:schemeClr val="bg1"/>
+                </a:solidFill>
+              </a:rPr>
+            </a:br>
+            <a:r>
+              <a:rPr lang="en-US" sz="2300" dirty="0">
+                <a:solidFill>
+                  <a:schemeClr val="bg1"/>
+                </a:solidFill>
+              </a:rPr>
+              <a:t>TRAINING OUR MODEL</a:t>
+            </a:r>
+          </a:p>
+        </p:txBody>
+      </p:sp>
+      <p:sp>
+        <p:nvSpPr>
+          <p:cNvPr id="3" name="TextBox 2">
+            <a:extLst>
+              <a:ext uri="{FF2B5EF4-FFF2-40B4-BE49-F238E27FC236}">
+                <a16:creationId xmlns:a16="http://schemas.microsoft.com/office/drawing/2014/main" id="{5381AB0A-E1E2-4DA6-928C-E4334E1BFF05}"/>
+              </a:ext>
+            </a:extLst>
+          </p:cNvPr>
+          <p:cNvSpPr txBox="1"/>
+          <p:nvPr/>
+        </p:nvSpPr>
+        <p:spPr>
+          <a:xfrm>
+            <a:off x="685800" y="1165860"/>
+            <a:ext cx="8303940" cy="3693319"/>
+          </a:xfrm>
+          <a:prstGeom prst="rect">
+            <a:avLst/>
+          </a:prstGeom>
+          <a:noFill/>
+        </p:spPr>
+        <p:txBody>
+          <a:bodyPr wrap="none" rtlCol="0">
+            <a:spAutoFit/>
+          </a:bodyPr>
+          <a:lstStyle/>
+          <a:p>
+            <a:r>
+              <a:rPr lang="en-US" dirty="0"/>
+              <a:t>Design a LSTM Layer based on RNN architecture</a:t>
+            </a:r>
+          </a:p>
+          <a:p>
+            <a:r>
+              <a:rPr lang="en-US" dirty="0"/>
+              <a:t>Set the evaluation function as </a:t>
+            </a:r>
+            <a:r>
+              <a:rPr lang="en-US" dirty="0" err="1"/>
+              <a:t>Softmax</a:t>
+            </a:r>
+            <a:endParaRPr lang="en-US" dirty="0"/>
+          </a:p>
+          <a:p>
+            <a:r>
+              <a:rPr lang="en-US" dirty="0"/>
+              <a:t>Define a loss function based on the accuracy function</a:t>
+            </a:r>
+          </a:p>
+          <a:p>
+            <a:r>
+              <a:rPr lang="en-US" dirty="0"/>
+              <a:t>Set optimizer parameter as ‘</a:t>
+            </a:r>
+            <a:r>
+              <a:rPr lang="en-US" dirty="0" err="1"/>
+              <a:t>adam</a:t>
+            </a:r>
+            <a:r>
+              <a:rPr lang="en-US" dirty="0"/>
+              <a:t>’</a:t>
+            </a:r>
+          </a:p>
+          <a:p>
+            <a:r>
+              <a:rPr lang="en-US" dirty="0"/>
+              <a:t>For LSTM we set the Keep probability as 0.75 to remember and if below that it forgets</a:t>
+            </a:r>
+            <a:br>
+              <a:rPr lang="en-US" dirty="0"/>
+            </a:br>
+            <a:endParaRPr lang="en-US" dirty="0"/>
+          </a:p>
+          <a:p>
+            <a:r>
+              <a:rPr lang="en-US" dirty="0"/>
+              <a:t>Other hyperparameters </a:t>
+            </a:r>
+            <a:r>
+              <a:rPr lang="en-US"/>
+              <a:t>we tuned:-</a:t>
+            </a:r>
+            <a:endParaRPr lang="en-US" dirty="0"/>
+          </a:p>
+          <a:p>
+            <a:r>
+              <a:rPr lang="en-US" dirty="0"/>
+              <a:t>Learning Rate</a:t>
+            </a:r>
+          </a:p>
+          <a:p>
+            <a:r>
+              <a:rPr lang="en-US" dirty="0"/>
+              <a:t>Batch Size</a:t>
+            </a:r>
+          </a:p>
+          <a:p>
+            <a:r>
+              <a:rPr lang="en-US" dirty="0"/>
+              <a:t>Windows Size of LSTM</a:t>
+            </a:r>
+          </a:p>
+          <a:p>
+            <a:r>
+              <a:rPr lang="en-US" dirty="0"/>
+              <a:t>Hidden Size for number of nodes of LSTM</a:t>
+            </a:r>
+          </a:p>
+          <a:p>
+            <a:r>
+              <a:rPr lang="en-US" dirty="0"/>
+              <a:t>Sample used for evaluation of results</a:t>
+            </a:r>
+          </a:p>
+          <a:p>
+            <a:endParaRPr lang="en-US" dirty="0"/>
+          </a:p>
+        </p:txBody>
+      </p:sp>
+    </p:spTree>
+    <p:extLst>
+      <p:ext uri="{BB962C8B-B14F-4D97-AF65-F5344CB8AC3E}">
+        <p14:creationId xmlns:p14="http://schemas.microsoft.com/office/powerpoint/2010/main" val="4230067678"/>
+      </p:ext>
+    </p:extLst>
+  </p:cSld>
+  <p:clrMapOvr>
+    <a:masterClrMapping/>
+  </p:clrMapOvr>
+</p:sld>
+</file>
+
+<file path=ppt/slides/slide9.xml><?xml version="1.0" encoding="utf-8"?>
+<p:sld xmlns:a="http://schemas.openxmlformats.org/drawingml/2006/main" xmlns:r="http://schemas.openxmlformats.org/officeDocument/2006/relationships" xmlns:p="http://schemas.openxmlformats.org/presentationml/2006/main">
+  <p:cSld>
+    <p:spTree>
+      <p:nvGrpSpPr>
+        <p:cNvPr id="1" name=""/>
+        <p:cNvGrpSpPr/>
+        <p:nvPr/>
+      </p:nvGrpSpPr>
+      <p:grpSpPr>
+        <a:xfrm>
+          <a:off x="0" y="0"/>
+          <a:ext cx="0" cy="0"/>
+          <a:chOff x="0" y="0"/>
+          <a:chExt cx="0" cy="0"/>
+        </a:xfrm>
+      </p:grpSpPr>
+      <p:sp>
+        <p:nvSpPr>
+          <p:cNvPr id="2" name="Title 1">
+            <a:extLst>
+              <a:ext uri="{FF2B5EF4-FFF2-40B4-BE49-F238E27FC236}">
+                <a16:creationId xmlns:a16="http://schemas.microsoft.com/office/drawing/2014/main" id="{DEC3ECC4-D51C-4B67-9814-DEC1F0DE3890}"/>
+              </a:ext>
+            </a:extLst>
+          </p:cNvPr>
+          <p:cNvSpPr>
+            <a:spLocks noGrp="1"/>
+          </p:cNvSpPr>
+          <p:nvPr>
+            <p:ph type="title"/>
+          </p:nvPr>
+        </p:nvSpPr>
+        <p:spPr/>
+        <p:txBody>
+          <a:bodyPr>
+            <a:normAutofit fontScale="90000"/>
+          </a:bodyPr>
+          <a:lstStyle/>
+          <a:p>
+            <a:r>
+              <a:rPr lang="en-US" sz="3600" dirty="0">
+                <a:solidFill>
+                  <a:schemeClr val="bg1"/>
+                </a:solidFill>
+              </a:rPr>
+              <a:t>Adam</a:t>
+            </a:r>
+            <a:r>
+              <a:rPr lang="en-US" sz="2400" dirty="0">
+                <a:solidFill>
+                  <a:schemeClr val="bg1"/>
+                </a:solidFill>
+              </a:rPr>
+              <a:t> </a:t>
+            </a:r>
+            <a:r>
+              <a:rPr lang="en-US" dirty="0">
+                <a:solidFill>
+                  <a:schemeClr val="bg1"/>
+                </a:solidFill>
+              </a:rPr>
+              <a:t>Adaptive Moment Estimation</a:t>
+            </a:r>
+          </a:p>
+        </p:txBody>
+      </p:sp>
+      <p:sp>
+        <p:nvSpPr>
+          <p:cNvPr id="3" name="Content Placeholder 2">
+            <a:extLst>
+              <a:ext uri="{FF2B5EF4-FFF2-40B4-BE49-F238E27FC236}">
+                <a16:creationId xmlns:a16="http://schemas.microsoft.com/office/drawing/2014/main" id="{E4AA6A86-A5BE-427C-9117-A59A901D2ECB}"/>
+              </a:ext>
+            </a:extLst>
+          </p:cNvPr>
+          <p:cNvSpPr>
+            <a:spLocks noGrp="1"/>
+          </p:cNvSpPr>
+          <p:nvPr>
+            <p:ph idx="1"/>
+          </p:nvPr>
+        </p:nvSpPr>
+        <p:spPr>
+          <a:xfrm>
+            <a:off x="447816" y="601200"/>
+            <a:ext cx="11292840" cy="4204800"/>
+          </a:xfrm>
+        </p:spPr>
+        <p:txBody>
+          <a:bodyPr>
+            <a:normAutofit lnSpcReduction="10000"/>
+          </a:bodyPr>
+          <a:lstStyle/>
+          <a:p>
+            <a:pPr marL="0" indent="0">
+              <a:buNone/>
+            </a:pPr>
+            <a:r>
+              <a:rPr lang="en-US" dirty="0"/>
+              <a:t>Combination of :-</a:t>
+            </a:r>
+          </a:p>
+          <a:p>
+            <a:r>
+              <a:rPr lang="en-US" dirty="0"/>
+              <a:t>1.  </a:t>
+            </a:r>
+            <a:r>
+              <a:rPr lang="en-US" dirty="0" err="1"/>
+              <a:t>AdaGrad</a:t>
+            </a:r>
+            <a:r>
+              <a:rPr lang="en-US" dirty="0"/>
+              <a:t> – Adaptive Gradient</a:t>
+            </a:r>
+          </a:p>
+          <a:p>
+            <a:pPr lvl="1"/>
+            <a:r>
+              <a:rPr lang="en-US" dirty="0"/>
+              <a:t>High change in value then suppress learning of weights</a:t>
+            </a:r>
+          </a:p>
+          <a:p>
+            <a:pPr lvl="1"/>
+            <a:r>
+              <a:rPr lang="en-US" dirty="0"/>
+              <a:t>Low change in value then enhance learning of weights</a:t>
+            </a:r>
+          </a:p>
+          <a:p>
+            <a:r>
+              <a:rPr lang="en-US" dirty="0"/>
+              <a:t>2. </a:t>
+            </a:r>
+            <a:r>
+              <a:rPr lang="en-US" dirty="0" err="1"/>
+              <a:t>RMSProp</a:t>
+            </a:r>
+            <a:r>
+              <a:rPr lang="en-US" dirty="0"/>
+              <a:t> – Root Mean Sq. </a:t>
+            </a:r>
+            <a:r>
+              <a:rPr lang="en-US" dirty="0" err="1"/>
+              <a:t>Propogation</a:t>
+            </a:r>
+            <a:endParaRPr lang="en-US" dirty="0"/>
+          </a:p>
+          <a:p>
+            <a:pPr lvl="1"/>
+            <a:r>
+              <a:rPr lang="en-US" dirty="0"/>
+              <a:t>Add weight/emphasis on recent backpropagation</a:t>
+            </a:r>
+          </a:p>
+          <a:p>
+            <a:pPr marL="0" lvl="0" indent="0" defTabSz="914400" eaLnBrk="0" fontAlgn="base" hangingPunct="0">
+              <a:spcBef>
+                <a:spcPct val="0"/>
+              </a:spcBef>
+              <a:spcAft>
+                <a:spcPct val="0"/>
+              </a:spcAft>
+              <a:buClrTx/>
+              <a:buSzTx/>
+              <a:buNone/>
+            </a:pPr>
+            <a:endParaRPr lang="en-US" altLang="en-US" sz="1500" dirty="0">
+              <a:solidFill>
+                <a:schemeClr val="tx1"/>
+              </a:solidFill>
+              <a:latin typeface="medium-content-serif-font"/>
+            </a:endParaRPr>
+          </a:p>
+          <a:p>
+            <a:pPr marL="0" lvl="0" indent="0" defTabSz="914400" eaLnBrk="0" fontAlgn="base" hangingPunct="0">
+              <a:spcBef>
+                <a:spcPct val="0"/>
+              </a:spcBef>
+              <a:spcAft>
+                <a:spcPct val="0"/>
+              </a:spcAft>
+              <a:buClrTx/>
+              <a:buSzTx/>
+              <a:buNone/>
+            </a:pPr>
+            <a:r>
+              <a:rPr lang="en-US" altLang="en-US" sz="1800" dirty="0"/>
+              <a:t>Then the final formula for the Parameter update is -</a:t>
+            </a:r>
+          </a:p>
+          <a:p>
+            <a:pPr marL="0" lvl="0" indent="0" defTabSz="914400" eaLnBrk="0" fontAlgn="base" hangingPunct="0">
+              <a:spcBef>
+                <a:spcPct val="0"/>
+              </a:spcBef>
+              <a:spcAft>
+                <a:spcPct val="0"/>
+              </a:spcAft>
+              <a:buClrTx/>
+              <a:buSzTx/>
+              <a:buNone/>
+            </a:pPr>
+            <a:r>
+              <a:rPr lang="en-US" altLang="en-US" sz="1800" dirty="0">
+                <a:solidFill>
+                  <a:schemeClr val="tx1"/>
+                </a:solidFill>
+                <a:latin typeface="Arial" panose="020B0604020202020204" pitchFamily="34" charset="0"/>
+              </a:rPr>
+              <a:t>  </a:t>
+            </a:r>
+            <a:endParaRPr lang="en-US" altLang="en-US" sz="4300" dirty="0">
+              <a:solidFill>
+                <a:schemeClr val="tx1"/>
+              </a:solidFill>
+              <a:latin typeface="Arial" panose="020B0604020202020204" pitchFamily="34" charset="0"/>
+            </a:endParaRPr>
+          </a:p>
+          <a:p>
+            <a:pPr marL="324000" lvl="1" indent="0">
+              <a:buNone/>
+            </a:pPr>
+            <a:endParaRPr lang="en-US" dirty="0"/>
+          </a:p>
+          <a:p>
+            <a:pPr marL="324000" lvl="1" indent="0">
+              <a:buNone/>
+            </a:pPr>
+            <a:r>
+              <a:rPr lang="en-US" b="1" dirty="0"/>
+              <a:t>M(t) and V(t)</a:t>
+            </a:r>
+            <a:r>
+              <a:rPr lang="en-US" dirty="0"/>
+              <a:t> are values of the first moment which is the </a:t>
+            </a:r>
+            <a:r>
+              <a:rPr lang="en-US" b="1" i="1" dirty="0"/>
+              <a:t>Mean</a:t>
+            </a:r>
+            <a:r>
+              <a:rPr lang="en-US" dirty="0"/>
+              <a:t> and the second moment which is the </a:t>
+            </a:r>
+            <a:r>
+              <a:rPr lang="en-US" b="1" i="1" dirty="0"/>
+              <a:t>uncentered variance</a:t>
+            </a:r>
+            <a:r>
+              <a:rPr lang="en-US" dirty="0"/>
+              <a:t> of the </a:t>
+            </a:r>
+            <a:r>
+              <a:rPr lang="en-US" i="1" dirty="0"/>
+              <a:t>gradients </a:t>
+            </a:r>
+            <a:r>
+              <a:rPr lang="en-US" dirty="0"/>
+              <a:t>respectively.</a:t>
+            </a:r>
+          </a:p>
+        </p:txBody>
+      </p:sp>
+      <p:sp>
+        <p:nvSpPr>
+          <p:cNvPr id="4" name="Text Placeholder 3">
+            <a:extLst>
+              <a:ext uri="{FF2B5EF4-FFF2-40B4-BE49-F238E27FC236}">
+                <a16:creationId xmlns:a16="http://schemas.microsoft.com/office/drawing/2014/main" id="{9D3FC4F0-DAA9-491E-9401-51047F3AE1E1}"/>
+              </a:ext>
+            </a:extLst>
+          </p:cNvPr>
+          <p:cNvSpPr>
+            <a:spLocks noGrp="1"/>
+          </p:cNvSpPr>
+          <p:nvPr>
+            <p:ph type="body" sz="half" idx="2"/>
+          </p:nvPr>
+        </p:nvSpPr>
+        <p:spPr/>
+        <p:txBody>
+          <a:bodyPr/>
+          <a:lstStyle/>
+          <a:p>
+            <a:endParaRPr lang="en-US"/>
+          </a:p>
+        </p:txBody>
+      </p:sp>
+      <p:pic>
+        <p:nvPicPr>
+          <p:cNvPr id="1032" name="Picture 8" descr="https://cdn-images-1.medium.com/max/800/1*tKn5TEW-7aQoerAeDB8x6g.png">
+            <a:extLst>
+              <a:ext uri="{FF2B5EF4-FFF2-40B4-BE49-F238E27FC236}">
+                <a16:creationId xmlns:a16="http://schemas.microsoft.com/office/drawing/2014/main" id="{CC8CA7D4-07FB-492C-B0F6-81F54F68C54C}"/>
+              </a:ext>
+            </a:extLst>
+          </p:cNvPr>
+          <p:cNvPicPr>
+            <a:picLocks noChangeAspect="1" noChangeArrowheads="1"/>
+          </p:cNvPicPr>
+          <p:nvPr/>
+        </p:nvPicPr>
+        <p:blipFill>
+          <a:blip r:embed="rId2">
+            <a:extLst>
+              <a:ext uri="{28A0092B-C50C-407E-A947-70E740481C1C}">
+                <a14:useLocalDpi xmlns:a14="http://schemas.microsoft.com/office/drawing/2010/main" val="0"/>
+              </a:ext>
+            </a:extLst>
+          </a:blip>
+          <a:srcRect/>
+          <a:stretch>
+            <a:fillRect/>
+          </a:stretch>
+        </p:blipFill>
+        <p:spPr bwMode="auto">
+          <a:xfrm>
+            <a:off x="5193457" y="3429000"/>
+            <a:ext cx="2476500" cy="685800"/>
+          </a:xfrm>
+          <a:prstGeom prst="rect">
+            <a:avLst/>
+          </a:prstGeom>
+          <a:noFill/>
+          <a:extLst>
+            <a:ext uri="{909E8E84-426E-40DD-AFC4-6F175D3DCCD1}">
+              <a14:hiddenFill xmlns:a14="http://schemas.microsoft.com/office/drawing/2010/main">
+                <a:solidFill>
+                  <a:srgbClr val="FFFFFF"/>
+                </a:solidFill>
+              </a14:hiddenFill>
+            </a:ext>
+          </a:extLst>
+        </p:spPr>
+      </p:pic>
+    </p:spTree>
+    <p:extLst>
+      <p:ext uri="{BB962C8B-B14F-4D97-AF65-F5344CB8AC3E}">
+        <p14:creationId xmlns:p14="http://schemas.microsoft.com/office/powerpoint/2010/main" val="3209184064"/>
       </p:ext>
     </p:extLst>
   </p:cSld>
